--- a/Lab 1 - Slides.pptx
+++ b/Lab 1 - Slides.pptx
@@ -16,19 +16,19 @@
     <p:sldId id="261" r:id="rId7"/>
     <p:sldId id="262" r:id="rId8"/>
     <p:sldId id="264" r:id="rId9"/>
-    <p:sldId id="265" r:id="rId10"/>
-    <p:sldId id="266" r:id="rId11"/>
-    <p:sldId id="267" r:id="rId12"/>
-    <p:sldId id="268" r:id="rId13"/>
-    <p:sldId id="269" r:id="rId14"/>
-    <p:sldId id="270" r:id="rId15"/>
-    <p:sldId id="271" r:id="rId16"/>
-    <p:sldId id="272" r:id="rId17"/>
-    <p:sldId id="273" r:id="rId18"/>
-    <p:sldId id="274" r:id="rId19"/>
-    <p:sldId id="275" r:id="rId20"/>
-    <p:sldId id="276" r:id="rId21"/>
-    <p:sldId id="277" r:id="rId22"/>
+    <p:sldId id="281" r:id="rId10"/>
+    <p:sldId id="265" r:id="rId11"/>
+    <p:sldId id="266" r:id="rId12"/>
+    <p:sldId id="267" r:id="rId13"/>
+    <p:sldId id="268" r:id="rId14"/>
+    <p:sldId id="269" r:id="rId15"/>
+    <p:sldId id="270" r:id="rId16"/>
+    <p:sldId id="271" r:id="rId17"/>
+    <p:sldId id="272" r:id="rId18"/>
+    <p:sldId id="273" r:id="rId19"/>
+    <p:sldId id="274" r:id="rId20"/>
+    <p:sldId id="275" r:id="rId21"/>
+    <p:sldId id="276" r:id="rId22"/>
     <p:sldId id="278" r:id="rId23"/>
     <p:sldId id="279" r:id="rId24"/>
     <p:sldId id="280" r:id="rId25"/>
@@ -220,7 +220,7 @@
           <a:p>
             <a:fld id="{000A6160-B2A8-49CD-901B-5FE42716A874}" type="datetimeFigureOut">
               <a:rPr lang="en-US" smtClean="0"/>
-              <a:t>8/18/23</a:t>
+              <a:t>9/2/23</a:t>
             </a:fld>
             <a:endParaRPr lang="en-US"/>
           </a:p>
@@ -750,7 +750,7 @@
           <a:p>
             <a:fld id="{72EA7947-E287-4738-8C82-07CE4F01EF03}" type="datetime2">
               <a:rPr lang="en-US" smtClean="0"/>
-              <a:t>Friday, August 18, 2023</a:t>
+              <a:t>Saturday, September 2, 2023</a:t>
             </a:fld>
             <a:endParaRPr lang="en-US" dirty="0"/>
           </a:p>
@@ -923,7 +923,7 @@
           <a:p>
             <a:fld id="{EE2EBD84-71F4-4271-8C46-0D47C0A9B12E}" type="datetime2">
               <a:rPr lang="en-US" smtClean="0"/>
-              <a:t>Friday, August 18, 2023</a:t>
+              <a:t>Saturday, September 2, 2023</a:t>
             </a:fld>
             <a:endParaRPr lang="en-US"/>
           </a:p>
@@ -1149,7 +1149,7 @@
           <a:p>
             <a:fld id="{ABAE0CE1-F450-4107-B2CB-17B18F8A3F4A}" type="datetime2">
               <a:rPr lang="en-US" smtClean="0"/>
-              <a:t>Friday, August 18, 2023</a:t>
+              <a:t>Saturday, September 2, 2023</a:t>
             </a:fld>
             <a:endParaRPr lang="en-US"/>
           </a:p>
@@ -1332,7 +1332,7 @@
           <a:p>
             <a:fld id="{6FE8C025-CD7A-4966-867E-81CF82B15267}" type="datetime2">
               <a:rPr lang="en-US" smtClean="0"/>
-              <a:t>Friday, August 18, 2023</a:t>
+              <a:t>Saturday, September 2, 2023</a:t>
             </a:fld>
             <a:endParaRPr lang="en-US"/>
           </a:p>
@@ -1641,7 +1641,7 @@
           <a:p>
             <a:fld id="{FE809929-0719-4517-94D6-FDF7F99E70F6}" type="datetime2">
               <a:rPr lang="en-US" smtClean="0"/>
-              <a:t>Friday, August 18, 2023</a:t>
+              <a:t>Saturday, September 2, 2023</a:t>
             </a:fld>
             <a:endParaRPr lang="en-US"/>
           </a:p>
@@ -1948,7 +1948,7 @@
           <a:p>
             <a:fld id="{20E95673-5512-4AAA-9AEB-E00C61EC65D5}" type="datetime2">
               <a:rPr lang="en-US" smtClean="0"/>
-              <a:t>Friday, August 18, 2023</a:t>
+              <a:t>Saturday, September 2, 2023</a:t>
             </a:fld>
             <a:endParaRPr lang="en-US"/>
           </a:p>
@@ -2373,7 +2373,7 @@
           <a:p>
             <a:fld id="{C13138FA-2E87-4873-8BBA-13E447C9A99A}" type="datetime2">
               <a:rPr lang="en-US" smtClean="0"/>
-              <a:t>Friday, August 18, 2023</a:t>
+              <a:t>Saturday, September 2, 2023</a:t>
             </a:fld>
             <a:endParaRPr lang="en-US"/>
           </a:p>
@@ -2494,7 +2494,7 @@
           <a:p>
             <a:fld id="{D75BB40A-97BD-4BFB-B639-0BFF95FDE8B7}" type="datetime2">
               <a:rPr lang="en-US" smtClean="0"/>
-              <a:t>Friday, August 18, 2023</a:t>
+              <a:t>Saturday, September 2, 2023</a:t>
             </a:fld>
             <a:endParaRPr lang="en-US"/>
           </a:p>
@@ -2592,7 +2592,7 @@
           <a:p>
             <a:fld id="{9EE9E0E3-ECF6-4CFE-8698-AEFEBCECC3C0}" type="datetime2">
               <a:rPr lang="en-US" smtClean="0"/>
-              <a:t>Friday, August 18, 2023</a:t>
+              <a:t>Saturday, September 2, 2023</a:t>
             </a:fld>
             <a:endParaRPr lang="en-US"/>
           </a:p>
@@ -2868,7 +2868,7 @@
           <a:p>
             <a:fld id="{251462FC-960E-4740-921F-B36862979F21}" type="datetime2">
               <a:rPr lang="en-US" smtClean="0"/>
-              <a:t>Friday, August 18, 2023</a:t>
+              <a:t>Saturday, September 2, 2023</a:t>
             </a:fld>
             <a:endParaRPr lang="en-US"/>
           </a:p>
@@ -3136,7 +3136,7 @@
           <a:p>
             <a:fld id="{E50BC9E2-CB44-4C05-9BB5-496C18A241E0}" type="datetime2">
               <a:rPr lang="en-US" smtClean="0"/>
-              <a:t>Friday, August 18, 2023</a:t>
+              <a:t>Saturday, September 2, 2023</a:t>
             </a:fld>
             <a:endParaRPr lang="en-US"/>
           </a:p>
@@ -3388,7 +3388,7 @@
           <a:p>
             <a:fld id="{246CB39B-5F4C-4A7E-9BE3-AAFD45576D16}" type="datetime2">
               <a:rPr lang="en-US" smtClean="0"/>
-              <a:t>Friday, August 18, 2023</a:t>
+              <a:t>Saturday, September 2, 2023</a:t>
             </a:fld>
             <a:endParaRPr lang="en-US" dirty="0"/>
           </a:p>
@@ -3990,6 +3990,326 @@
     <p:bg>
       <p:bgPr>
         <a:solidFill>
+          <a:schemeClr val="bg1"/>
+        </a:solidFill>
+        <a:effectLst/>
+      </p:bgPr>
+    </p:bg>
+    <p:spTree>
+      <p:nvGrpSpPr>
+        <p:cNvPr id="1" name=""/>
+        <p:cNvGrpSpPr/>
+        <p:nvPr/>
+      </p:nvGrpSpPr>
+      <p:grpSpPr>
+        <a:xfrm>
+          <a:off x="0" y="0"/>
+          <a:ext cx="0" cy="0"/>
+          <a:chOff x="0" y="0"/>
+          <a:chExt cx="0" cy="0"/>
+        </a:xfrm>
+      </p:grpSpPr>
+      <p:sp>
+        <p:nvSpPr>
+          <p:cNvPr id="26" name="Rectangle 25">
+            <a:extLst>
+              <a:ext uri="{FF2B5EF4-FFF2-40B4-BE49-F238E27FC236}">
+                <a16:creationId xmlns:a16="http://schemas.microsoft.com/office/drawing/2014/main" id="{5F9F5EB8-AB42-47FD-8F4A-176C0A4B1B0A}"/>
+              </a:ext>
+              <a:ext uri="{C183D7F6-B498-43B3-948B-1728B52AA6E4}">
+                <adec:decorative xmlns:adec="http://schemas.microsoft.com/office/drawing/2017/decorative" val="1"/>
+              </a:ext>
+            </a:extLst>
+          </p:cNvPr>
+          <p:cNvSpPr>
+            <a:spLocks noGrp="1" noRot="1" noChangeAspect="1" noMove="1" noResize="1" noEditPoints="1" noAdjustHandles="1" noChangeArrowheads="1" noChangeShapeType="1" noTextEdit="1"/>
+          </p:cNvSpPr>
+          <p:nvPr>
+            <p:extLst>
+              <p:ext uri="{386F3935-93C4-4BCD-93E2-E3B085C9AB24}">
+                <p16:designElem xmlns:p16="http://schemas.microsoft.com/office/powerpoint/2015/main" val="1"/>
+              </p:ext>
+            </p:extLst>
+          </p:nvPr>
+        </p:nvSpPr>
+        <p:spPr>
+          <a:xfrm>
+            <a:off x="3048" y="2059012"/>
+            <a:ext cx="12188952" cy="1828800"/>
+          </a:xfrm>
+          <a:prstGeom prst="rect">
+            <a:avLst/>
+          </a:prstGeom>
+          <a:solidFill>
+            <a:schemeClr val="tx1"/>
+          </a:solidFill>
+          <a:ln>
+            <a:noFill/>
+          </a:ln>
+        </p:spPr>
+        <p:style>
+          <a:lnRef idx="2">
+            <a:schemeClr val="accent1">
+              <a:shade val="50000"/>
+            </a:schemeClr>
+          </a:lnRef>
+          <a:fillRef idx="1">
+            <a:schemeClr val="accent1"/>
+          </a:fillRef>
+          <a:effectRef idx="0">
+            <a:schemeClr val="accent1"/>
+          </a:effectRef>
+          <a:fontRef idx="minor">
+            <a:schemeClr val="lt1"/>
+          </a:fontRef>
+        </p:style>
+      </p:sp>
+      <p:sp>
+        <p:nvSpPr>
+          <p:cNvPr id="28" name="Rectangle 27">
+            <a:extLst>
+              <a:ext uri="{FF2B5EF4-FFF2-40B4-BE49-F238E27FC236}">
+                <a16:creationId xmlns:a16="http://schemas.microsoft.com/office/drawing/2014/main" id="{CA758F27-EB0A-4675-AACF-0CD47C911203}"/>
+              </a:ext>
+              <a:ext uri="{C183D7F6-B498-43B3-948B-1728B52AA6E4}">
+                <adec:decorative xmlns:adec="http://schemas.microsoft.com/office/drawing/2017/decorative" val="1"/>
+              </a:ext>
+            </a:extLst>
+          </p:cNvPr>
+          <p:cNvSpPr>
+            <a:spLocks noGrp="1" noRot="1" noChangeAspect="1" noMove="1" noResize="1" noEditPoints="1" noAdjustHandles="1" noChangeArrowheads="1" noChangeShapeType="1" noTextEdit="1"/>
+          </p:cNvSpPr>
+          <p:nvPr>
+            <p:extLst>
+              <p:ext uri="{386F3935-93C4-4BCD-93E2-E3B085C9AB24}">
+                <p16:designElem xmlns:p16="http://schemas.microsoft.com/office/powerpoint/2015/main" val="1"/>
+              </p:ext>
+            </p:extLst>
+          </p:nvPr>
+        </p:nvSpPr>
+        <p:spPr>
+          <a:xfrm>
+            <a:off x="0" y="0"/>
+            <a:ext cx="12192000" cy="6858000"/>
+          </a:xfrm>
+          <a:prstGeom prst="rect">
+            <a:avLst/>
+          </a:prstGeom>
+          <a:solidFill>
+            <a:schemeClr val="bg1"/>
+          </a:solidFill>
+          <a:ln>
+            <a:noFill/>
+          </a:ln>
+        </p:spPr>
+        <p:style>
+          <a:lnRef idx="2">
+            <a:schemeClr val="accent1">
+              <a:shade val="50000"/>
+            </a:schemeClr>
+          </a:lnRef>
+          <a:fillRef idx="1">
+            <a:schemeClr val="accent1"/>
+          </a:fillRef>
+          <a:effectRef idx="0">
+            <a:schemeClr val="accent1"/>
+          </a:effectRef>
+          <a:fontRef idx="minor">
+            <a:schemeClr val="lt1"/>
+          </a:fontRef>
+        </p:style>
+        <p:txBody>
+          <a:bodyPr rtlCol="0" anchor="ctr"/>
+          <a:lstStyle/>
+          <a:p>
+            <a:pPr algn="ctr"/>
+            <a:endParaRPr lang="en-US"/>
+          </a:p>
+        </p:txBody>
+      </p:sp>
+      <p:sp>
+        <p:nvSpPr>
+          <p:cNvPr id="30" name="Rectangle 29">
+            <a:extLst>
+              <a:ext uri="{FF2B5EF4-FFF2-40B4-BE49-F238E27FC236}">
+                <a16:creationId xmlns:a16="http://schemas.microsoft.com/office/drawing/2014/main" id="{CFDF506A-FD4E-4BBC-A10A-DEB94F9BAA5F}"/>
+              </a:ext>
+              <a:ext uri="{C183D7F6-B498-43B3-948B-1728B52AA6E4}">
+                <adec:decorative xmlns:adec="http://schemas.microsoft.com/office/drawing/2017/decorative" val="1"/>
+              </a:ext>
+            </a:extLst>
+          </p:cNvPr>
+          <p:cNvSpPr>
+            <a:spLocks noGrp="1" noRot="1" noChangeAspect="1" noMove="1" noResize="1" noEditPoints="1" noAdjustHandles="1" noChangeArrowheads="1" noChangeShapeType="1" noTextEdit="1"/>
+          </p:cNvSpPr>
+          <p:nvPr>
+            <p:extLst>
+              <p:ext uri="{386F3935-93C4-4BCD-93E2-E3B085C9AB24}">
+                <p16:designElem xmlns:p16="http://schemas.microsoft.com/office/powerpoint/2015/main" val="1"/>
+              </p:ext>
+            </p:extLst>
+          </p:nvPr>
+        </p:nvSpPr>
+        <p:spPr>
+          <a:xfrm>
+            <a:off x="0" y="0"/>
+            <a:ext cx="12192000" cy="173255"/>
+          </a:xfrm>
+          <a:prstGeom prst="rect">
+            <a:avLst/>
+          </a:prstGeom>
+          <a:solidFill>
+            <a:schemeClr val="tx2"/>
+          </a:solidFill>
+          <a:ln>
+            <a:noFill/>
+          </a:ln>
+        </p:spPr>
+        <p:style>
+          <a:lnRef idx="2">
+            <a:schemeClr val="accent1">
+              <a:shade val="50000"/>
+            </a:schemeClr>
+          </a:lnRef>
+          <a:fillRef idx="1">
+            <a:schemeClr val="accent1"/>
+          </a:fillRef>
+          <a:effectRef idx="0">
+            <a:schemeClr val="accent1"/>
+          </a:effectRef>
+          <a:fontRef idx="minor">
+            <a:schemeClr val="lt1"/>
+          </a:fontRef>
+        </p:style>
+        <p:txBody>
+          <a:bodyPr rtlCol="0" anchor="ctr"/>
+          <a:lstStyle/>
+          <a:p>
+            <a:pPr algn="ctr"/>
+            <a:endParaRPr lang="en-US"/>
+          </a:p>
+        </p:txBody>
+      </p:sp>
+      <p:pic>
+        <p:nvPicPr>
+          <p:cNvPr id="13" name="Content Placeholder 4" descr="A screenshot of a cell phone&#10;&#10;Description automatically generated">
+            <a:extLst>
+              <a:ext uri="{FF2B5EF4-FFF2-40B4-BE49-F238E27FC236}">
+                <a16:creationId xmlns:a16="http://schemas.microsoft.com/office/drawing/2014/main" id="{8B75AE91-FBF4-4222-B610-EDAA58D24BF4}"/>
+              </a:ext>
+            </a:extLst>
+          </p:cNvPr>
+          <p:cNvPicPr>
+            <a:picLocks noGrp="1" noChangeAspect="1"/>
+          </p:cNvPicPr>
+          <p:nvPr>
+            <p:ph idx="1"/>
+          </p:nvPr>
+        </p:nvPicPr>
+        <p:blipFill>
+          <a:blip r:embed="rId2">
+            <a:extLst>
+              <a:ext uri="{28A0092B-C50C-407E-A947-70E740481C1C}">
+                <a14:useLocalDpi xmlns:a14="http://schemas.microsoft.com/office/drawing/2010/main" val="0"/>
+              </a:ext>
+            </a:extLst>
+          </a:blip>
+          <a:stretch>
+            <a:fillRect/>
+          </a:stretch>
+        </p:blipFill>
+        <p:spPr>
+          <a:xfrm>
+            <a:off x="321734" y="1263651"/>
+            <a:ext cx="11548531" cy="4330697"/>
+          </a:xfrm>
+          <a:prstGeom prst="rect">
+            <a:avLst/>
+          </a:prstGeom>
+        </p:spPr>
+      </p:pic>
+      <p:sp>
+        <p:nvSpPr>
+          <p:cNvPr id="32" name="Rectangle 31">
+            <a:extLst>
+              <a:ext uri="{FF2B5EF4-FFF2-40B4-BE49-F238E27FC236}">
+                <a16:creationId xmlns:a16="http://schemas.microsoft.com/office/drawing/2014/main" id="{3571FB1B-4FFC-43D6-8121-390B3A44E835}"/>
+              </a:ext>
+              <a:ext uri="{C183D7F6-B498-43B3-948B-1728B52AA6E4}">
+                <adec:decorative xmlns:adec="http://schemas.microsoft.com/office/drawing/2017/decorative" val="1"/>
+              </a:ext>
+            </a:extLst>
+          </p:cNvPr>
+          <p:cNvSpPr>
+            <a:spLocks noGrp="1" noRot="1" noChangeAspect="1" noMove="1" noResize="1" noEditPoints="1" noAdjustHandles="1" noChangeArrowheads="1" noChangeShapeType="1" noTextEdit="1"/>
+          </p:cNvSpPr>
+          <p:nvPr>
+            <p:extLst>
+              <p:ext uri="{386F3935-93C4-4BCD-93E2-E3B085C9AB24}">
+                <p16:designElem xmlns:p16="http://schemas.microsoft.com/office/powerpoint/2015/main" val="1"/>
+              </p:ext>
+            </p:extLst>
+          </p:nvPr>
+        </p:nvSpPr>
+        <p:spPr>
+          <a:xfrm>
+            <a:off x="0" y="6373369"/>
+            <a:ext cx="12192000" cy="484632"/>
+          </a:xfrm>
+          <a:prstGeom prst="rect">
+            <a:avLst/>
+          </a:prstGeom>
+          <a:solidFill>
+            <a:schemeClr val="tx2"/>
+          </a:solidFill>
+          <a:ln>
+            <a:noFill/>
+          </a:ln>
+        </p:spPr>
+        <p:style>
+          <a:lnRef idx="2">
+            <a:schemeClr val="accent1">
+              <a:shade val="50000"/>
+            </a:schemeClr>
+          </a:lnRef>
+          <a:fillRef idx="1">
+            <a:schemeClr val="accent1"/>
+          </a:fillRef>
+          <a:effectRef idx="0">
+            <a:schemeClr val="accent1"/>
+          </a:effectRef>
+          <a:fontRef idx="minor">
+            <a:schemeClr val="lt1"/>
+          </a:fontRef>
+        </p:style>
+        <p:txBody>
+          <a:bodyPr rtlCol="0" anchor="ctr"/>
+          <a:lstStyle/>
+          <a:p>
+            <a:pPr algn="ctr"/>
+            <a:endParaRPr lang="en-US"/>
+          </a:p>
+        </p:txBody>
+      </p:sp>
+    </p:spTree>
+    <p:extLst>
+      <p:ext uri="{BB962C8B-B14F-4D97-AF65-F5344CB8AC3E}">
+        <p14:creationId xmlns:p14="http://schemas.microsoft.com/office/powerpoint/2010/main" val="2346447813"/>
+      </p:ext>
+    </p:extLst>
+  </p:cSld>
+  <p:clrMapOvr>
+    <a:overrideClrMapping bg1="lt1" tx1="dk1" bg2="lt2" tx2="dk2" accent1="accent1" accent2="accent2" accent3="accent3" accent4="accent4" accent5="accent5" accent6="accent6" hlink="hlink" folHlink="folHlink"/>
+  </p:clrMapOvr>
+</p:sld>
+</file>
+
+<file path=ppt/slides/slide11.xml><?xml version="1.0" encoding="utf-8"?>
+<p:sld xmlns:a="http://schemas.openxmlformats.org/drawingml/2006/main" xmlns:r="http://schemas.openxmlformats.org/officeDocument/2006/relationships" xmlns:p="http://schemas.openxmlformats.org/presentationml/2006/main">
+  <p:cSld>
+    <p:bg>
+      <p:bgPr>
+        <a:solidFill>
           <a:schemeClr val="bg2"/>
         </a:solidFill>
         <a:effectLst/>
@@ -4111,247 +4431,6 @@
   </p:cSld>
   <p:clrMapOvr>
     <a:masterClrMapping/>
-  </p:clrMapOvr>
-</p:sld>
-</file>
-
-<file path=ppt/slides/slide11.xml><?xml version="1.0" encoding="utf-8"?>
-<p:sld xmlns:a="http://schemas.openxmlformats.org/drawingml/2006/main" xmlns:r="http://schemas.openxmlformats.org/officeDocument/2006/relationships" xmlns:p="http://schemas.openxmlformats.org/presentationml/2006/main">
-  <p:cSld>
-    <p:bg>
-      <p:bgPr>
-        <a:solidFill>
-          <a:schemeClr val="bg1"/>
-        </a:solidFill>
-        <a:effectLst/>
-      </p:bgPr>
-    </p:bg>
-    <p:spTree>
-      <p:nvGrpSpPr>
-        <p:cNvPr id="1" name=""/>
-        <p:cNvGrpSpPr/>
-        <p:nvPr/>
-      </p:nvGrpSpPr>
-      <p:grpSpPr>
-        <a:xfrm>
-          <a:off x="0" y="0"/>
-          <a:ext cx="0" cy="0"/>
-          <a:chOff x="0" y="0"/>
-          <a:chExt cx="0" cy="0"/>
-        </a:xfrm>
-      </p:grpSpPr>
-      <p:sp useBgFill="1">
-        <p:nvSpPr>
-          <p:cNvPr id="8" name="Rectangle 7">
-            <a:extLst>
-              <a:ext uri="{FF2B5EF4-FFF2-40B4-BE49-F238E27FC236}">
-                <a16:creationId xmlns:a16="http://schemas.microsoft.com/office/drawing/2014/main" id="{16EF2925-7D5E-46C1-9C42-D5C717A6B966}"/>
-              </a:ext>
-              <a:ext uri="{C183D7F6-B498-43B3-948B-1728B52AA6E4}">
-                <adec:decorative xmlns:adec="http://schemas.microsoft.com/office/drawing/2017/decorative" val="1"/>
-              </a:ext>
-            </a:extLst>
-          </p:cNvPr>
-          <p:cNvSpPr>
-            <a:spLocks noGrp="1" noRot="1" noChangeAspect="1" noMove="1" noResize="1" noEditPoints="1" noAdjustHandles="1" noChangeArrowheads="1" noChangeShapeType="1" noTextEdit="1"/>
-          </p:cNvSpPr>
-          <p:nvPr>
-            <p:extLst>
-              <p:ext uri="{386F3935-93C4-4BCD-93E2-E3B085C9AB24}">
-                <p16:designElem xmlns:p16="http://schemas.microsoft.com/office/powerpoint/2015/main" val="1"/>
-              </p:ext>
-            </p:extLst>
-          </p:nvPr>
-        </p:nvSpPr>
-        <p:spPr>
-          <a:xfrm>
-            <a:off x="0" y="0"/>
-            <a:ext cx="12192000" cy="6858000"/>
-          </a:xfrm>
-          <a:prstGeom prst="rect">
-            <a:avLst/>
-          </a:prstGeom>
-          <a:ln>
-            <a:noFill/>
-          </a:ln>
-        </p:spPr>
-        <p:style>
-          <a:lnRef idx="2">
-            <a:schemeClr val="accent1">
-              <a:shade val="50000"/>
-            </a:schemeClr>
-          </a:lnRef>
-          <a:fillRef idx="1">
-            <a:schemeClr val="accent1"/>
-          </a:fillRef>
-          <a:effectRef idx="0">
-            <a:schemeClr val="accent1"/>
-          </a:effectRef>
-          <a:fontRef idx="minor">
-            <a:schemeClr val="lt1"/>
-          </a:fontRef>
-        </p:style>
-        <p:txBody>
-          <a:bodyPr rtlCol="0" anchor="ctr"/>
-          <a:lstStyle/>
-          <a:p>
-            <a:pPr algn="ctr"/>
-            <a:endParaRPr lang="en-US"/>
-          </a:p>
-        </p:txBody>
-      </p:sp>
-      <p:sp>
-        <p:nvSpPr>
-          <p:cNvPr id="10" name="Rectangle 9">
-            <a:extLst>
-              <a:ext uri="{FF2B5EF4-FFF2-40B4-BE49-F238E27FC236}">
-                <a16:creationId xmlns:a16="http://schemas.microsoft.com/office/drawing/2014/main" id="{E918B99E-4097-4B96-A9A3-600B88727316}"/>
-              </a:ext>
-              <a:ext uri="{C183D7F6-B498-43B3-948B-1728B52AA6E4}">
-                <adec:decorative xmlns:adec="http://schemas.microsoft.com/office/drawing/2017/decorative" val="1"/>
-              </a:ext>
-            </a:extLst>
-          </p:cNvPr>
-          <p:cNvSpPr>
-            <a:spLocks noGrp="1" noRot="1" noChangeAspect="1" noMove="1" noResize="1" noEditPoints="1" noAdjustHandles="1" noChangeArrowheads="1" noChangeShapeType="1" noTextEdit="1"/>
-          </p:cNvSpPr>
-          <p:nvPr>
-            <p:extLst>
-              <p:ext uri="{386F3935-93C4-4BCD-93E2-E3B085C9AB24}">
-                <p16:designElem xmlns:p16="http://schemas.microsoft.com/office/powerpoint/2015/main" val="1"/>
-              </p:ext>
-            </p:extLst>
-          </p:nvPr>
-        </p:nvSpPr>
-        <p:spPr>
-          <a:xfrm>
-            <a:off x="483" y="176109"/>
-            <a:ext cx="12188952" cy="1645919"/>
-          </a:xfrm>
-          <a:prstGeom prst="rect">
-            <a:avLst/>
-          </a:prstGeom>
-          <a:solidFill>
-            <a:schemeClr val="tx1"/>
-          </a:solidFill>
-          <a:ln>
-            <a:noFill/>
-          </a:ln>
-        </p:spPr>
-        <p:style>
-          <a:lnRef idx="2">
-            <a:schemeClr val="accent1">
-              <a:shade val="50000"/>
-            </a:schemeClr>
-          </a:lnRef>
-          <a:fillRef idx="1">
-            <a:schemeClr val="accent1"/>
-          </a:fillRef>
-          <a:effectRef idx="0">
-            <a:schemeClr val="accent1"/>
-          </a:effectRef>
-          <a:fontRef idx="minor">
-            <a:schemeClr val="lt1"/>
-          </a:fontRef>
-        </p:style>
-      </p:sp>
-      <p:sp>
-        <p:nvSpPr>
-          <p:cNvPr id="2" name="Title 1">
-            <a:extLst>
-              <a:ext uri="{FF2B5EF4-FFF2-40B4-BE49-F238E27FC236}">
-                <a16:creationId xmlns:a16="http://schemas.microsoft.com/office/drawing/2014/main" id="{6D6E2307-973F-40CF-AD91-211BBD31857A}"/>
-              </a:ext>
-            </a:extLst>
-          </p:cNvPr>
-          <p:cNvSpPr>
-            <a:spLocks noGrp="1"/>
-          </p:cNvSpPr>
-          <p:nvPr>
-            <p:ph type="title"/>
-          </p:nvPr>
-        </p:nvSpPr>
-        <p:spPr>
-          <a:xfrm>
-            <a:off x="1202919" y="284176"/>
-            <a:ext cx="9784080" cy="1508760"/>
-          </a:xfrm>
-        </p:spPr>
-        <p:txBody>
-          <a:bodyPr>
-            <a:normAutofit/>
-          </a:bodyPr>
-          <a:lstStyle/>
-          <a:p>
-            <a:r>
-              <a:rPr lang="en-US" dirty="0"/>
-              <a:t>John the Ripper</a:t>
-            </a:r>
-          </a:p>
-        </p:txBody>
-      </p:sp>
-      <p:sp>
-        <p:nvSpPr>
-          <p:cNvPr id="3" name="Content Placeholder 2">
-            <a:extLst>
-              <a:ext uri="{FF2B5EF4-FFF2-40B4-BE49-F238E27FC236}">
-                <a16:creationId xmlns:a16="http://schemas.microsoft.com/office/drawing/2014/main" id="{7B836E27-C021-44CE-B531-5728A1F80834}"/>
-              </a:ext>
-            </a:extLst>
-          </p:cNvPr>
-          <p:cNvSpPr>
-            <a:spLocks noGrp="1"/>
-          </p:cNvSpPr>
-          <p:nvPr>
-            <p:ph idx="1"/>
-          </p:nvPr>
-        </p:nvSpPr>
-        <p:spPr>
-          <a:xfrm>
-            <a:off x="1202919" y="2011680"/>
-            <a:ext cx="9784080" cy="4206240"/>
-          </a:xfrm>
-        </p:spPr>
-        <p:txBody>
-          <a:bodyPr>
-            <a:normAutofit/>
-          </a:bodyPr>
-          <a:lstStyle/>
-          <a:p>
-            <a:r>
-              <a:rPr lang="en-US" dirty="0" err="1"/>
-              <a:t>JtR</a:t>
-            </a:r>
-            <a:r>
-              <a:rPr lang="en-US" dirty="0"/>
-              <a:t> can also be used during </a:t>
-            </a:r>
-            <a:r>
-              <a:rPr lang="en-US" dirty="0" err="1"/>
-              <a:t>pentesting</a:t>
-            </a:r>
-            <a:r>
-              <a:rPr lang="en-US" dirty="0"/>
-              <a:t> exercises that can help IT staff spot weak passwords and poor password policies.</a:t>
-            </a:r>
-          </a:p>
-          <a:p>
-            <a:endParaRPr lang="en-US" dirty="0"/>
-          </a:p>
-          <a:p>
-            <a:endParaRPr lang="en-US" dirty="0"/>
-          </a:p>
-        </p:txBody>
-      </p:sp>
-    </p:spTree>
-    <p:extLst>
-      <p:ext uri="{BB962C8B-B14F-4D97-AF65-F5344CB8AC3E}">
-        <p14:creationId xmlns:p14="http://schemas.microsoft.com/office/powerpoint/2010/main" val="1675028376"/>
-      </p:ext>
-    </p:extLst>
-  </p:cSld>
-  <p:clrMapOvr>
-    <a:overrideClrMapping bg1="lt1" tx1="dk1" bg2="lt2" tx2="dk2" accent1="accent1" accent2="accent2" accent3="accent3" accent4="accent4" accent5="accent5" accent6="accent6" hlink="hlink" folHlink="folHlink"/>
   </p:clrMapOvr>
 </p:sld>
 </file>
@@ -4526,52 +4605,68 @@
           <a:p>
             <a:r>
               <a:rPr lang="en-US" dirty="0"/>
-              <a:t>Password Security</a:t>
-            </a:r>
-          </a:p>
-        </p:txBody>
-      </p:sp>
-      <p:pic>
-        <p:nvPicPr>
-          <p:cNvPr id="9" name="Content Placeholder 4" descr="A screenshot of a cell phone&#10;&#10;Description automatically generated">
+              <a:t>John the Ripper</a:t>
+            </a:r>
+          </a:p>
+        </p:txBody>
+      </p:sp>
+      <p:sp>
+        <p:nvSpPr>
+          <p:cNvPr id="3" name="Content Placeholder 2">
             <a:extLst>
               <a:ext uri="{FF2B5EF4-FFF2-40B4-BE49-F238E27FC236}">
-                <a16:creationId xmlns:a16="http://schemas.microsoft.com/office/drawing/2014/main" id="{7AF86ECB-A4E8-4E25-8FFF-A4C015E8AB44}"/>
+                <a16:creationId xmlns:a16="http://schemas.microsoft.com/office/drawing/2014/main" id="{7B836E27-C021-44CE-B531-5728A1F80834}"/>
               </a:ext>
             </a:extLst>
           </p:cNvPr>
-          <p:cNvPicPr>
-            <a:picLocks noGrp="1" noChangeAspect="1"/>
-          </p:cNvPicPr>
+          <p:cNvSpPr>
+            <a:spLocks noGrp="1"/>
+          </p:cNvSpPr>
           <p:nvPr>
             <p:ph idx="1"/>
           </p:nvPr>
-        </p:nvPicPr>
-        <p:blipFill rotWithShape="1">
-          <a:blip r:embed="rId2">
-            <a:extLst>
-              <a:ext uri="{28A0092B-C50C-407E-A947-70E740481C1C}">
-                <a14:useLocalDpi xmlns:a14="http://schemas.microsoft.com/office/drawing/2010/main" val="0"/>
-              </a:ext>
-            </a:extLst>
-          </a:blip>
-          <a:srcRect t="7560"/>
-          <a:stretch/>
-        </p:blipFill>
-        <p:spPr>
-          <a:xfrm>
-            <a:off x="2428875" y="1763314"/>
-            <a:ext cx="7340766" cy="5094686"/>
-          </a:xfrm>
-          <a:solidFill>
-            <a:schemeClr val="bg1"/>
-          </a:solidFill>
-        </p:spPr>
-      </p:pic>
+        </p:nvSpPr>
+        <p:spPr>
+          <a:xfrm>
+            <a:off x="1202919" y="2011680"/>
+            <a:ext cx="9784080" cy="4206240"/>
+          </a:xfrm>
+        </p:spPr>
+        <p:txBody>
+          <a:bodyPr>
+            <a:normAutofit/>
+          </a:bodyPr>
+          <a:lstStyle/>
+          <a:p>
+            <a:r>
+              <a:rPr lang="en-US" dirty="0" err="1"/>
+              <a:t>JtR</a:t>
+            </a:r>
+            <a:r>
+              <a:rPr lang="en-US" dirty="0"/>
+              <a:t> can also be used during </a:t>
+            </a:r>
+            <a:r>
+              <a:rPr lang="en-US" dirty="0" err="1"/>
+              <a:t>pentesting</a:t>
+            </a:r>
+            <a:r>
+              <a:rPr lang="en-US" dirty="0"/>
+              <a:t> exercises that can help IT staff spot weak passwords and poor password policies.</a:t>
+            </a:r>
+          </a:p>
+          <a:p>
+            <a:endParaRPr lang="en-US" dirty="0"/>
+          </a:p>
+          <a:p>
+            <a:endParaRPr lang="en-US" dirty="0"/>
+          </a:p>
+        </p:txBody>
+      </p:sp>
     </p:spTree>
     <p:extLst>
       <p:ext uri="{BB962C8B-B14F-4D97-AF65-F5344CB8AC3E}">
-        <p14:creationId xmlns:p14="http://schemas.microsoft.com/office/powerpoint/2010/main" val="1267292465"/>
+        <p14:creationId xmlns:p14="http://schemas.microsoft.com/office/powerpoint/2010/main" val="1675028376"/>
       </p:ext>
     </p:extLst>
   </p:cSld>
@@ -4751,6 +4846,231 @@
           <a:p>
             <a:r>
               <a:rPr lang="en-US" dirty="0"/>
+              <a:t>Password Security</a:t>
+            </a:r>
+          </a:p>
+        </p:txBody>
+      </p:sp>
+      <p:pic>
+        <p:nvPicPr>
+          <p:cNvPr id="9" name="Content Placeholder 4" descr="A screenshot of a cell phone&#10;&#10;Description automatically generated">
+            <a:extLst>
+              <a:ext uri="{FF2B5EF4-FFF2-40B4-BE49-F238E27FC236}">
+                <a16:creationId xmlns:a16="http://schemas.microsoft.com/office/drawing/2014/main" id="{7AF86ECB-A4E8-4E25-8FFF-A4C015E8AB44}"/>
+              </a:ext>
+            </a:extLst>
+          </p:cNvPr>
+          <p:cNvPicPr>
+            <a:picLocks noGrp="1" noChangeAspect="1"/>
+          </p:cNvPicPr>
+          <p:nvPr>
+            <p:ph idx="1"/>
+          </p:nvPr>
+        </p:nvPicPr>
+        <p:blipFill rotWithShape="1">
+          <a:blip r:embed="rId2">
+            <a:extLst>
+              <a:ext uri="{28A0092B-C50C-407E-A947-70E740481C1C}">
+                <a14:useLocalDpi xmlns:a14="http://schemas.microsoft.com/office/drawing/2010/main" val="0"/>
+              </a:ext>
+            </a:extLst>
+          </a:blip>
+          <a:srcRect t="7560"/>
+          <a:stretch/>
+        </p:blipFill>
+        <p:spPr>
+          <a:xfrm>
+            <a:off x="2428875" y="1763314"/>
+            <a:ext cx="7340766" cy="5094686"/>
+          </a:xfrm>
+          <a:solidFill>
+            <a:schemeClr val="bg1"/>
+          </a:solidFill>
+        </p:spPr>
+      </p:pic>
+    </p:spTree>
+    <p:extLst>
+      <p:ext uri="{BB962C8B-B14F-4D97-AF65-F5344CB8AC3E}">
+        <p14:creationId xmlns:p14="http://schemas.microsoft.com/office/powerpoint/2010/main" val="1267292465"/>
+      </p:ext>
+    </p:extLst>
+  </p:cSld>
+  <p:clrMapOvr>
+    <a:overrideClrMapping bg1="lt1" tx1="dk1" bg2="lt2" tx2="dk2" accent1="accent1" accent2="accent2" accent3="accent3" accent4="accent4" accent5="accent5" accent6="accent6" hlink="hlink" folHlink="folHlink"/>
+  </p:clrMapOvr>
+</p:sld>
+</file>
+
+<file path=ppt/slides/slide14.xml><?xml version="1.0" encoding="utf-8"?>
+<p:sld xmlns:a="http://schemas.openxmlformats.org/drawingml/2006/main" xmlns:r="http://schemas.openxmlformats.org/officeDocument/2006/relationships" xmlns:p="http://schemas.openxmlformats.org/presentationml/2006/main">
+  <p:cSld>
+    <p:bg>
+      <p:bgPr>
+        <a:solidFill>
+          <a:schemeClr val="bg1"/>
+        </a:solidFill>
+        <a:effectLst/>
+      </p:bgPr>
+    </p:bg>
+    <p:spTree>
+      <p:nvGrpSpPr>
+        <p:cNvPr id="1" name=""/>
+        <p:cNvGrpSpPr/>
+        <p:nvPr/>
+      </p:nvGrpSpPr>
+      <p:grpSpPr>
+        <a:xfrm>
+          <a:off x="0" y="0"/>
+          <a:ext cx="0" cy="0"/>
+          <a:chOff x="0" y="0"/>
+          <a:chExt cx="0" cy="0"/>
+        </a:xfrm>
+      </p:grpSpPr>
+      <p:sp useBgFill="1">
+        <p:nvSpPr>
+          <p:cNvPr id="8" name="Rectangle 7">
+            <a:extLst>
+              <a:ext uri="{FF2B5EF4-FFF2-40B4-BE49-F238E27FC236}">
+                <a16:creationId xmlns:a16="http://schemas.microsoft.com/office/drawing/2014/main" id="{16EF2925-7D5E-46C1-9C42-D5C717A6B966}"/>
+              </a:ext>
+              <a:ext uri="{C183D7F6-B498-43B3-948B-1728B52AA6E4}">
+                <adec:decorative xmlns:adec="http://schemas.microsoft.com/office/drawing/2017/decorative" val="1"/>
+              </a:ext>
+            </a:extLst>
+          </p:cNvPr>
+          <p:cNvSpPr>
+            <a:spLocks noGrp="1" noRot="1" noChangeAspect="1" noMove="1" noResize="1" noEditPoints="1" noAdjustHandles="1" noChangeArrowheads="1" noChangeShapeType="1" noTextEdit="1"/>
+          </p:cNvSpPr>
+          <p:nvPr>
+            <p:extLst>
+              <p:ext uri="{386F3935-93C4-4BCD-93E2-E3B085C9AB24}">
+                <p16:designElem xmlns:p16="http://schemas.microsoft.com/office/powerpoint/2015/main" val="1"/>
+              </p:ext>
+            </p:extLst>
+          </p:nvPr>
+        </p:nvSpPr>
+        <p:spPr>
+          <a:xfrm>
+            <a:off x="0" y="0"/>
+            <a:ext cx="12192000" cy="6858000"/>
+          </a:xfrm>
+          <a:prstGeom prst="rect">
+            <a:avLst/>
+          </a:prstGeom>
+          <a:ln>
+            <a:noFill/>
+          </a:ln>
+        </p:spPr>
+        <p:style>
+          <a:lnRef idx="2">
+            <a:schemeClr val="accent1">
+              <a:shade val="50000"/>
+            </a:schemeClr>
+          </a:lnRef>
+          <a:fillRef idx="1">
+            <a:schemeClr val="accent1"/>
+          </a:fillRef>
+          <a:effectRef idx="0">
+            <a:schemeClr val="accent1"/>
+          </a:effectRef>
+          <a:fontRef idx="minor">
+            <a:schemeClr val="lt1"/>
+          </a:fontRef>
+        </p:style>
+        <p:txBody>
+          <a:bodyPr rtlCol="0" anchor="ctr"/>
+          <a:lstStyle/>
+          <a:p>
+            <a:pPr algn="ctr"/>
+            <a:endParaRPr lang="en-US"/>
+          </a:p>
+        </p:txBody>
+      </p:sp>
+      <p:sp>
+        <p:nvSpPr>
+          <p:cNvPr id="10" name="Rectangle 9">
+            <a:extLst>
+              <a:ext uri="{FF2B5EF4-FFF2-40B4-BE49-F238E27FC236}">
+                <a16:creationId xmlns:a16="http://schemas.microsoft.com/office/drawing/2014/main" id="{E918B99E-4097-4B96-A9A3-600B88727316}"/>
+              </a:ext>
+              <a:ext uri="{C183D7F6-B498-43B3-948B-1728B52AA6E4}">
+                <adec:decorative xmlns:adec="http://schemas.microsoft.com/office/drawing/2017/decorative" val="1"/>
+              </a:ext>
+            </a:extLst>
+          </p:cNvPr>
+          <p:cNvSpPr>
+            <a:spLocks noGrp="1" noRot="1" noChangeAspect="1" noMove="1" noResize="1" noEditPoints="1" noAdjustHandles="1" noChangeArrowheads="1" noChangeShapeType="1" noTextEdit="1"/>
+          </p:cNvSpPr>
+          <p:nvPr>
+            <p:extLst>
+              <p:ext uri="{386F3935-93C4-4BCD-93E2-E3B085C9AB24}">
+                <p16:designElem xmlns:p16="http://schemas.microsoft.com/office/powerpoint/2015/main" val="1"/>
+              </p:ext>
+            </p:extLst>
+          </p:nvPr>
+        </p:nvSpPr>
+        <p:spPr>
+          <a:xfrm>
+            <a:off x="483" y="176109"/>
+            <a:ext cx="12188952" cy="1645919"/>
+          </a:xfrm>
+          <a:prstGeom prst="rect">
+            <a:avLst/>
+          </a:prstGeom>
+          <a:solidFill>
+            <a:schemeClr val="tx1"/>
+          </a:solidFill>
+          <a:ln>
+            <a:noFill/>
+          </a:ln>
+        </p:spPr>
+        <p:style>
+          <a:lnRef idx="2">
+            <a:schemeClr val="accent1">
+              <a:shade val="50000"/>
+            </a:schemeClr>
+          </a:lnRef>
+          <a:fillRef idx="1">
+            <a:schemeClr val="accent1"/>
+          </a:fillRef>
+          <a:effectRef idx="0">
+            <a:schemeClr val="accent1"/>
+          </a:effectRef>
+          <a:fontRef idx="minor">
+            <a:schemeClr val="lt1"/>
+          </a:fontRef>
+        </p:style>
+      </p:sp>
+      <p:sp>
+        <p:nvSpPr>
+          <p:cNvPr id="2" name="Title 1">
+            <a:extLst>
+              <a:ext uri="{FF2B5EF4-FFF2-40B4-BE49-F238E27FC236}">
+                <a16:creationId xmlns:a16="http://schemas.microsoft.com/office/drawing/2014/main" id="{6D6E2307-973F-40CF-AD91-211BBD31857A}"/>
+              </a:ext>
+            </a:extLst>
+          </p:cNvPr>
+          <p:cNvSpPr>
+            <a:spLocks noGrp="1"/>
+          </p:cNvSpPr>
+          <p:nvPr>
+            <p:ph type="title"/>
+          </p:nvPr>
+        </p:nvSpPr>
+        <p:spPr>
+          <a:xfrm>
+            <a:off x="1202919" y="284176"/>
+            <a:ext cx="9784080" cy="1508760"/>
+          </a:xfrm>
+        </p:spPr>
+        <p:txBody>
+          <a:bodyPr>
+            <a:normAutofit/>
+          </a:bodyPr>
+          <a:lstStyle/>
+          <a:p>
+            <a:r>
+              <a:rPr lang="en-US" dirty="0"/>
               <a:t>Password Attacks</a:t>
             </a:r>
           </a:p>
@@ -4804,7 +5124,7 @@
 </p:sld>
 </file>
 
-<file path=ppt/slides/slide14.xml><?xml version="1.0" encoding="utf-8"?>
+<file path=ppt/slides/slide15.xml><?xml version="1.0" encoding="utf-8"?>
 <p:sld xmlns:a="http://schemas.openxmlformats.org/drawingml/2006/main" xmlns:r="http://schemas.openxmlformats.org/officeDocument/2006/relationships" xmlns:p="http://schemas.openxmlformats.org/presentationml/2006/main">
   <p:cSld>
     <p:bg>
@@ -4879,260 +5199,6 @@
 </p:sld>
 </file>
 
-<file path=ppt/slides/slide15.xml><?xml version="1.0" encoding="utf-8"?>
-<p:sld xmlns:a="http://schemas.openxmlformats.org/drawingml/2006/main" xmlns:r="http://schemas.openxmlformats.org/officeDocument/2006/relationships" xmlns:p="http://schemas.openxmlformats.org/presentationml/2006/main">
-  <p:cSld>
-    <p:bg>
-      <p:bgPr>
-        <a:solidFill>
-          <a:schemeClr val="bg1"/>
-        </a:solidFill>
-        <a:effectLst/>
-      </p:bgPr>
-    </p:bg>
-    <p:spTree>
-      <p:nvGrpSpPr>
-        <p:cNvPr id="1" name=""/>
-        <p:cNvGrpSpPr/>
-        <p:nvPr/>
-      </p:nvGrpSpPr>
-      <p:grpSpPr>
-        <a:xfrm>
-          <a:off x="0" y="0"/>
-          <a:ext cx="0" cy="0"/>
-          <a:chOff x="0" y="0"/>
-          <a:chExt cx="0" cy="0"/>
-        </a:xfrm>
-      </p:grpSpPr>
-      <p:sp useBgFill="1">
-        <p:nvSpPr>
-          <p:cNvPr id="8" name="Rectangle 7">
-            <a:extLst>
-              <a:ext uri="{FF2B5EF4-FFF2-40B4-BE49-F238E27FC236}">
-                <a16:creationId xmlns:a16="http://schemas.microsoft.com/office/drawing/2014/main" id="{16EF2925-7D5E-46C1-9C42-D5C717A6B966}"/>
-              </a:ext>
-              <a:ext uri="{C183D7F6-B498-43B3-948B-1728B52AA6E4}">
-                <adec:decorative xmlns:adec="http://schemas.microsoft.com/office/drawing/2017/decorative" val="1"/>
-              </a:ext>
-            </a:extLst>
-          </p:cNvPr>
-          <p:cNvSpPr>
-            <a:spLocks noGrp="1" noRot="1" noChangeAspect="1" noMove="1" noResize="1" noEditPoints="1" noAdjustHandles="1" noChangeArrowheads="1" noChangeShapeType="1" noTextEdit="1"/>
-          </p:cNvSpPr>
-          <p:nvPr>
-            <p:extLst>
-              <p:ext uri="{386F3935-93C4-4BCD-93E2-E3B085C9AB24}">
-                <p16:designElem xmlns:p16="http://schemas.microsoft.com/office/powerpoint/2015/main" val="1"/>
-              </p:ext>
-            </p:extLst>
-          </p:nvPr>
-        </p:nvSpPr>
-        <p:spPr>
-          <a:xfrm>
-            <a:off x="0" y="0"/>
-            <a:ext cx="12192000" cy="6858000"/>
-          </a:xfrm>
-          <a:prstGeom prst="rect">
-            <a:avLst/>
-          </a:prstGeom>
-          <a:ln>
-            <a:noFill/>
-          </a:ln>
-        </p:spPr>
-        <p:style>
-          <a:lnRef idx="2">
-            <a:schemeClr val="accent1">
-              <a:shade val="50000"/>
-            </a:schemeClr>
-          </a:lnRef>
-          <a:fillRef idx="1">
-            <a:schemeClr val="accent1"/>
-          </a:fillRef>
-          <a:effectRef idx="0">
-            <a:schemeClr val="accent1"/>
-          </a:effectRef>
-          <a:fontRef idx="minor">
-            <a:schemeClr val="lt1"/>
-          </a:fontRef>
-        </p:style>
-        <p:txBody>
-          <a:bodyPr rtlCol="0" anchor="ctr"/>
-          <a:lstStyle/>
-          <a:p>
-            <a:pPr algn="ctr"/>
-            <a:endParaRPr lang="en-US"/>
-          </a:p>
-        </p:txBody>
-      </p:sp>
-      <p:sp>
-        <p:nvSpPr>
-          <p:cNvPr id="10" name="Rectangle 9">
-            <a:extLst>
-              <a:ext uri="{FF2B5EF4-FFF2-40B4-BE49-F238E27FC236}">
-                <a16:creationId xmlns:a16="http://schemas.microsoft.com/office/drawing/2014/main" id="{E918B99E-4097-4B96-A9A3-600B88727316}"/>
-              </a:ext>
-              <a:ext uri="{C183D7F6-B498-43B3-948B-1728B52AA6E4}">
-                <adec:decorative xmlns:adec="http://schemas.microsoft.com/office/drawing/2017/decorative" val="1"/>
-              </a:ext>
-            </a:extLst>
-          </p:cNvPr>
-          <p:cNvSpPr>
-            <a:spLocks noGrp="1" noRot="1" noChangeAspect="1" noMove="1" noResize="1" noEditPoints="1" noAdjustHandles="1" noChangeArrowheads="1" noChangeShapeType="1" noTextEdit="1"/>
-          </p:cNvSpPr>
-          <p:nvPr>
-            <p:extLst>
-              <p:ext uri="{386F3935-93C4-4BCD-93E2-E3B085C9AB24}">
-                <p16:designElem xmlns:p16="http://schemas.microsoft.com/office/powerpoint/2015/main" val="1"/>
-              </p:ext>
-            </p:extLst>
-          </p:nvPr>
-        </p:nvSpPr>
-        <p:spPr>
-          <a:xfrm>
-            <a:off x="483" y="176109"/>
-            <a:ext cx="12188952" cy="1645919"/>
-          </a:xfrm>
-          <a:prstGeom prst="rect">
-            <a:avLst/>
-          </a:prstGeom>
-          <a:solidFill>
-            <a:schemeClr val="tx1"/>
-          </a:solidFill>
-          <a:ln>
-            <a:noFill/>
-          </a:ln>
-        </p:spPr>
-        <p:style>
-          <a:lnRef idx="2">
-            <a:schemeClr val="accent1">
-              <a:shade val="50000"/>
-            </a:schemeClr>
-          </a:lnRef>
-          <a:fillRef idx="1">
-            <a:schemeClr val="accent1"/>
-          </a:fillRef>
-          <a:effectRef idx="0">
-            <a:schemeClr val="accent1"/>
-          </a:effectRef>
-          <a:fontRef idx="minor">
-            <a:schemeClr val="lt1"/>
-          </a:fontRef>
-        </p:style>
-      </p:sp>
-      <p:sp>
-        <p:nvSpPr>
-          <p:cNvPr id="2" name="Title 1">
-            <a:extLst>
-              <a:ext uri="{FF2B5EF4-FFF2-40B4-BE49-F238E27FC236}">
-                <a16:creationId xmlns:a16="http://schemas.microsoft.com/office/drawing/2014/main" id="{B6A2779B-FDEC-4490-9EAD-D6FB976385C8}"/>
-              </a:ext>
-            </a:extLst>
-          </p:cNvPr>
-          <p:cNvSpPr>
-            <a:spLocks noGrp="1"/>
-          </p:cNvSpPr>
-          <p:nvPr>
-            <p:ph type="title"/>
-          </p:nvPr>
-        </p:nvSpPr>
-        <p:spPr>
-          <a:xfrm>
-            <a:off x="1202919" y="284176"/>
-            <a:ext cx="9784080" cy="1508760"/>
-          </a:xfrm>
-        </p:spPr>
-        <p:txBody>
-          <a:bodyPr>
-            <a:normAutofit/>
-          </a:bodyPr>
-          <a:lstStyle/>
-          <a:p>
-            <a:r>
-              <a:rPr lang="en-US" dirty="0"/>
-              <a:t>ARP: Address Resolution Protocol</a:t>
-            </a:r>
-          </a:p>
-        </p:txBody>
-      </p:sp>
-      <p:sp>
-        <p:nvSpPr>
-          <p:cNvPr id="3" name="Content Placeholder 2">
-            <a:extLst>
-              <a:ext uri="{FF2B5EF4-FFF2-40B4-BE49-F238E27FC236}">
-                <a16:creationId xmlns:a16="http://schemas.microsoft.com/office/drawing/2014/main" id="{F8788EB8-371F-4A00-94D9-5A2EEF73779D}"/>
-              </a:ext>
-            </a:extLst>
-          </p:cNvPr>
-          <p:cNvSpPr>
-            <a:spLocks noGrp="1"/>
-          </p:cNvSpPr>
-          <p:nvPr>
-            <p:ph idx="1"/>
-          </p:nvPr>
-        </p:nvSpPr>
-        <p:spPr>
-          <a:xfrm>
-            <a:off x="1202919" y="2011680"/>
-            <a:ext cx="9784080" cy="4206240"/>
-          </a:xfrm>
-        </p:spPr>
-        <p:txBody>
-          <a:bodyPr>
-            <a:normAutofit/>
-          </a:bodyPr>
-          <a:lstStyle/>
-          <a:p>
-            <a:r>
-              <a:rPr lang="en-US" b="1" dirty="0"/>
-              <a:t>Address Resolution Protocol (ARP)</a:t>
-            </a:r>
-            <a:r>
-              <a:rPr lang="en-US" dirty="0"/>
-              <a:t> is a network protocol used to find the hardware (</a:t>
-            </a:r>
-            <a:r>
-              <a:rPr lang="en-US" b="1" dirty="0"/>
-              <a:t>MAC</a:t>
-            </a:r>
-            <a:r>
-              <a:rPr lang="en-US" dirty="0"/>
-              <a:t>) address of a host from an IP address. ARP is used on Ethernet LANs because hosts that want to communicate with each other need to know their respective MAC addresses. It is a request-reply protocol; </a:t>
-            </a:r>
-            <a:r>
-              <a:rPr lang="en-US" b="1" dirty="0"/>
-              <a:t>ARP request</a:t>
-            </a:r>
-            <a:r>
-              <a:rPr lang="en-US" dirty="0"/>
-              <a:t> messages are used to request the MAC address, while </a:t>
-            </a:r>
-            <a:r>
-              <a:rPr lang="en-US" b="1" dirty="0"/>
-              <a:t>ARP reply</a:t>
-            </a:r>
-            <a:r>
-              <a:rPr lang="en-US" dirty="0"/>
-              <a:t> messages are used to send the requested MAC address.</a:t>
-            </a:r>
-          </a:p>
-          <a:p>
-            <a:endParaRPr lang="en-US" dirty="0"/>
-          </a:p>
-        </p:txBody>
-      </p:sp>
-    </p:spTree>
-    <p:extLst>
-      <p:ext uri="{BB962C8B-B14F-4D97-AF65-F5344CB8AC3E}">
-        <p14:creationId xmlns:p14="http://schemas.microsoft.com/office/powerpoint/2010/main" val="336271137"/>
-      </p:ext>
-    </p:extLst>
-  </p:cSld>
-  <p:clrMapOvr>
-    <a:overrideClrMapping bg1="lt1" tx1="dk1" bg2="lt2" tx2="dk2" accent1="accent1" accent2="accent2" accent3="accent3" accent4="accent4" accent5="accent5" accent6="accent6" hlink="hlink" folHlink="folHlink"/>
-  </p:clrMapOvr>
-</p:sld>
-</file>
-
 <file path=ppt/slides/slide16.xml><?xml version="1.0" encoding="utf-8"?>
 <p:sld xmlns:a="http://schemas.openxmlformats.org/drawingml/2006/main" xmlns:r="http://schemas.openxmlformats.org/officeDocument/2006/relationships" xmlns:p="http://schemas.openxmlformats.org/presentationml/2006/main">
   <p:cSld>
@@ -5278,7 +5344,7 @@
           <p:cNvPr id="2" name="Title 1">
             <a:extLst>
               <a:ext uri="{FF2B5EF4-FFF2-40B4-BE49-F238E27FC236}">
-                <a16:creationId xmlns:a16="http://schemas.microsoft.com/office/drawing/2014/main" id="{70C31A3F-7241-4A16-BF42-D780178010CC}"/>
+                <a16:creationId xmlns:a16="http://schemas.microsoft.com/office/drawing/2014/main" id="{B6A2779B-FDEC-4490-9EAD-D6FB976385C8}"/>
               </a:ext>
             </a:extLst>
           </p:cNvPr>
@@ -5308,46 +5374,94 @@
           </a:p>
         </p:txBody>
       </p:sp>
-      <p:pic>
-        <p:nvPicPr>
-          <p:cNvPr id="6" name="Content Placeholder 4" descr="A close up of a logo&#10;&#10;Description automatically generated">
+      <p:sp>
+        <p:nvSpPr>
+          <p:cNvPr id="3" name="Content Placeholder 2">
             <a:extLst>
               <a:ext uri="{FF2B5EF4-FFF2-40B4-BE49-F238E27FC236}">
-                <a16:creationId xmlns:a16="http://schemas.microsoft.com/office/drawing/2014/main" id="{BA9FAE29-DEF2-4B19-899D-750CD903F46B}"/>
+                <a16:creationId xmlns:a16="http://schemas.microsoft.com/office/drawing/2014/main" id="{F8788EB8-371F-4A00-94D9-5A2EEF73779D}"/>
               </a:ext>
             </a:extLst>
           </p:cNvPr>
-          <p:cNvPicPr>
-            <a:picLocks noChangeAspect="1"/>
-          </p:cNvPicPr>
-          <p:nvPr/>
-        </p:nvPicPr>
-        <p:blipFill>
-          <a:blip r:embed="rId2">
-            <a:extLst>
-              <a:ext uri="{28A0092B-C50C-407E-A947-70E740481C1C}">
-                <a14:useLocalDpi xmlns:a14="http://schemas.microsoft.com/office/drawing/2010/main" val="0"/>
-              </a:ext>
-            </a:extLst>
-          </a:blip>
-          <a:stretch>
-            <a:fillRect/>
-          </a:stretch>
-        </p:blipFill>
-        <p:spPr>
-          <a:xfrm>
-            <a:off x="2645940" y="2011680"/>
-            <a:ext cx="6898037" cy="4206875"/>
-          </a:xfrm>
-          <a:prstGeom prst="rect">
-            <a:avLst/>
-          </a:prstGeom>
-        </p:spPr>
-      </p:pic>
+          <p:cNvSpPr>
+            <a:spLocks noGrp="1"/>
+          </p:cNvSpPr>
+          <p:nvPr>
+            <p:ph idx="1"/>
+          </p:nvPr>
+        </p:nvSpPr>
+        <p:spPr>
+          <a:xfrm>
+            <a:off x="933096" y="2367584"/>
+            <a:ext cx="9784080" cy="4206240"/>
+          </a:xfrm>
+        </p:spPr>
+        <p:txBody>
+          <a:bodyPr>
+            <a:normAutofit/>
+          </a:bodyPr>
+          <a:lstStyle/>
+          <a:p>
+            <a:r>
+              <a:rPr lang="en-US" b="1" dirty="0"/>
+              <a:t>Address Resolution Protocol (ARP)</a:t>
+            </a:r>
+            <a:r>
+              <a:rPr lang="en-US" dirty="0"/>
+              <a:t> is a network protocol used to find the hardware (</a:t>
+            </a:r>
+            <a:r>
+              <a:rPr lang="en-US" b="1" dirty="0"/>
+              <a:t>MAC</a:t>
+            </a:r>
+            <a:r>
+              <a:rPr lang="en-US" dirty="0"/>
+              <a:t>) address of a host from an IP address. </a:t>
+            </a:r>
+          </a:p>
+          <a:p>
+            <a:endParaRPr lang="en-US" dirty="0"/>
+          </a:p>
+          <a:p>
+            <a:r>
+              <a:rPr lang="en-US" dirty="0"/>
+              <a:t>ARP is used on Ethernet LANs because hosts that want to communicate with each other need to know their respective MAC addresses. </a:t>
+            </a:r>
+          </a:p>
+          <a:p>
+            <a:endParaRPr lang="en-US" dirty="0"/>
+          </a:p>
+          <a:p>
+            <a:r>
+              <a:rPr lang="en-US" dirty="0"/>
+              <a:t>It is a request-reply protocol; </a:t>
+            </a:r>
+            <a:r>
+              <a:rPr lang="en-US" b="1" dirty="0"/>
+              <a:t>ARP request</a:t>
+            </a:r>
+            <a:r>
+              <a:rPr lang="en-US" dirty="0"/>
+              <a:t> messages are used to request the MAC address, while </a:t>
+            </a:r>
+            <a:r>
+              <a:rPr lang="en-US" b="1" dirty="0"/>
+              <a:t>ARP reply</a:t>
+            </a:r>
+            <a:r>
+              <a:rPr lang="en-US" dirty="0"/>
+              <a:t> messages are used to send the requested MAC address.</a:t>
+            </a:r>
+          </a:p>
+          <a:p>
+            <a:endParaRPr lang="en-US" dirty="0"/>
+          </a:p>
+        </p:txBody>
+      </p:sp>
     </p:spTree>
     <p:extLst>
       <p:ext uri="{BB962C8B-B14F-4D97-AF65-F5344CB8AC3E}">
-        <p14:creationId xmlns:p14="http://schemas.microsoft.com/office/powerpoint/2010/main" val="775198731"/>
+        <p14:creationId xmlns:p14="http://schemas.microsoft.com/office/powerpoint/2010/main" val="336271137"/>
       </p:ext>
     </p:extLst>
   </p:cSld>
@@ -5358,138 +5472,6 @@
 </file>
 
 <file path=ppt/slides/slide17.xml><?xml version="1.0" encoding="utf-8"?>
-<p:sld xmlns:a="http://schemas.openxmlformats.org/drawingml/2006/main" xmlns:r="http://schemas.openxmlformats.org/officeDocument/2006/relationships" xmlns:p="http://schemas.openxmlformats.org/presentationml/2006/main">
-  <p:cSld>
-    <p:bg>
-      <p:bgPr>
-        <a:solidFill>
-          <a:schemeClr val="bg2"/>
-        </a:solidFill>
-        <a:effectLst/>
-      </p:bgPr>
-    </p:bg>
-    <p:spTree>
-      <p:nvGrpSpPr>
-        <p:cNvPr id="1" name=""/>
-        <p:cNvGrpSpPr/>
-        <p:nvPr/>
-      </p:nvGrpSpPr>
-      <p:grpSpPr>
-        <a:xfrm>
-          <a:off x="0" y="0"/>
-          <a:ext cx="0" cy="0"/>
-          <a:chOff x="0" y="0"/>
-          <a:chExt cx="0" cy="0"/>
-        </a:xfrm>
-      </p:grpSpPr>
-      <p:sp>
-        <p:nvSpPr>
-          <p:cNvPr id="9" name="Rectangle 8">
-            <a:extLst>
-              <a:ext uri="{FF2B5EF4-FFF2-40B4-BE49-F238E27FC236}">
-                <a16:creationId xmlns:a16="http://schemas.microsoft.com/office/drawing/2014/main" id="{E6E37985-09B8-4F09-93C7-44CB3EDE52A4}"/>
-              </a:ext>
-              <a:ext uri="{C183D7F6-B498-43B3-948B-1728B52AA6E4}">
-                <adec:decorative xmlns:adec="http://schemas.microsoft.com/office/drawing/2017/decorative" val="1"/>
-              </a:ext>
-            </a:extLst>
-          </p:cNvPr>
-          <p:cNvSpPr>
-            <a:spLocks noGrp="1" noRot="1" noChangeAspect="1" noMove="1" noResize="1" noEditPoints="1" noAdjustHandles="1" noChangeArrowheads="1" noChangeShapeType="1" noTextEdit="1"/>
-          </p:cNvSpPr>
-          <p:nvPr>
-            <p:extLst>
-              <p:ext uri="{386F3935-93C4-4BCD-93E2-E3B085C9AB24}">
-                <p16:designElem xmlns:p16="http://schemas.microsoft.com/office/powerpoint/2015/main" val="1"/>
-              </p:ext>
-            </p:extLst>
-          </p:nvPr>
-        </p:nvSpPr>
-        <p:spPr>
-          <a:xfrm>
-            <a:off x="0" y="426198"/>
-            <a:ext cx="12192000" cy="6005604"/>
-          </a:xfrm>
-          <a:prstGeom prst="rect">
-            <a:avLst/>
-          </a:prstGeom>
-          <a:solidFill>
-            <a:srgbClr val="FFFFFF"/>
-          </a:solidFill>
-          <a:ln>
-            <a:noFill/>
-          </a:ln>
-        </p:spPr>
-        <p:style>
-          <a:lnRef idx="2">
-            <a:schemeClr val="accent1">
-              <a:shade val="50000"/>
-            </a:schemeClr>
-          </a:lnRef>
-          <a:fillRef idx="1">
-            <a:schemeClr val="accent1"/>
-          </a:fillRef>
-          <a:effectRef idx="0">
-            <a:schemeClr val="accent1"/>
-          </a:effectRef>
-          <a:fontRef idx="minor">
-            <a:schemeClr val="lt1"/>
-          </a:fontRef>
-        </p:style>
-        <p:txBody>
-          <a:bodyPr rtlCol="0" anchor="ctr"/>
-          <a:lstStyle/>
-          <a:p>
-            <a:pPr algn="ctr"/>
-            <a:endParaRPr lang="en-US"/>
-          </a:p>
-        </p:txBody>
-      </p:sp>
-      <p:pic>
-        <p:nvPicPr>
-          <p:cNvPr id="4" name="Content Placeholder 3">
-            <a:extLst>
-              <a:ext uri="{FF2B5EF4-FFF2-40B4-BE49-F238E27FC236}">
-                <a16:creationId xmlns:a16="http://schemas.microsoft.com/office/drawing/2014/main" id="{1DD0F2AF-AD59-4B2E-8AC2-549360474DD6}"/>
-              </a:ext>
-            </a:extLst>
-          </p:cNvPr>
-          <p:cNvPicPr>
-            <a:picLocks noGrp="1" noChangeAspect="1"/>
-          </p:cNvPicPr>
-          <p:nvPr>
-            <p:ph idx="1"/>
-          </p:nvPr>
-        </p:nvPicPr>
-        <p:blipFill rotWithShape="1">
-          <a:blip r:embed="rId2"/>
-          <a:srcRect r="2599"/>
-          <a:stretch/>
-        </p:blipFill>
-        <p:spPr>
-          <a:xfrm>
-            <a:off x="867974" y="745236"/>
-            <a:ext cx="10456051" cy="5367528"/>
-          </a:xfrm>
-          <a:prstGeom prst="rect">
-            <a:avLst/>
-          </a:prstGeom>
-        </p:spPr>
-      </p:pic>
-    </p:spTree>
-    <p:extLst>
-      <p:ext uri="{BB962C8B-B14F-4D97-AF65-F5344CB8AC3E}">
-        <p14:creationId xmlns:p14="http://schemas.microsoft.com/office/powerpoint/2010/main" val="3641389788"/>
-      </p:ext>
-    </p:extLst>
-  </p:cSld>
-  <p:clrMapOvr>
-    <a:masterClrMapping/>
-  </p:clrMapOvr>
-</p:sld>
-</file>
-
-<file path=ppt/slides/slide18.xml><?xml version="1.0" encoding="utf-8"?>
 <p:sld xmlns:a="http://schemas.openxmlformats.org/drawingml/2006/main" xmlns:r="http://schemas.openxmlformats.org/officeDocument/2006/relationships" xmlns:p="http://schemas.openxmlformats.org/presentationml/2006/main">
   <p:cSld>
     <p:bg>
@@ -5634,7 +5616,7 @@
           <p:cNvPr id="2" name="Title 1">
             <a:extLst>
               <a:ext uri="{FF2B5EF4-FFF2-40B4-BE49-F238E27FC236}">
-                <a16:creationId xmlns:a16="http://schemas.microsoft.com/office/drawing/2014/main" id="{BF884D6C-9D66-4C1A-A524-AAEC33217E97}"/>
+                <a16:creationId xmlns:a16="http://schemas.microsoft.com/office/drawing/2014/main" id="{70C31A3F-7241-4A16-BF42-D780178010CC}"/>
               </a:ext>
             </a:extLst>
           </p:cNvPr>
@@ -5659,17 +5641,17 @@
           <a:p>
             <a:r>
               <a:rPr lang="en-US" dirty="0"/>
-              <a:t>ARP cache</a:t>
+              <a:t>ARP: Address Resolution Protocol</a:t>
             </a:r>
           </a:p>
         </p:txBody>
       </p:sp>
       <p:pic>
         <p:nvPicPr>
-          <p:cNvPr id="6" name="Picture 5">
+          <p:cNvPr id="6" name="Content Placeholder 4" descr="A close up of a logo&#10;&#10;Description automatically generated">
             <a:extLst>
               <a:ext uri="{FF2B5EF4-FFF2-40B4-BE49-F238E27FC236}">
-                <a16:creationId xmlns:a16="http://schemas.microsoft.com/office/drawing/2014/main" id="{502657CF-B7DE-4B01-813B-9A9362127DD0}"/>
+                <a16:creationId xmlns:a16="http://schemas.microsoft.com/office/drawing/2014/main" id="{BA9FAE29-DEF2-4B19-899D-750CD903F46B}"/>
               </a:ext>
             </a:extLst>
           </p:cNvPr>
@@ -5679,15 +5661,21 @@
           <p:nvPr/>
         </p:nvPicPr>
         <p:blipFill>
-          <a:blip r:embed="rId2"/>
+          <a:blip r:embed="rId2">
+            <a:extLst>
+              <a:ext uri="{28A0092B-C50C-407E-A947-70E740481C1C}">
+                <a14:useLocalDpi xmlns:a14="http://schemas.microsoft.com/office/drawing/2010/main" val="0"/>
+              </a:ext>
+            </a:extLst>
+          </a:blip>
           <a:stretch>
             <a:fillRect/>
           </a:stretch>
         </p:blipFill>
         <p:spPr>
           <a:xfrm>
-            <a:off x="-2565" y="1998137"/>
-            <a:ext cx="12192000" cy="4576661"/>
+            <a:off x="2645940" y="2011680"/>
+            <a:ext cx="6898037" cy="4206875"/>
           </a:xfrm>
           <a:prstGeom prst="rect">
             <a:avLst/>
@@ -5697,12 +5685,144 @@
     </p:spTree>
     <p:extLst>
       <p:ext uri="{BB962C8B-B14F-4D97-AF65-F5344CB8AC3E}">
-        <p14:creationId xmlns:p14="http://schemas.microsoft.com/office/powerpoint/2010/main" val="3053687157"/>
+        <p14:creationId xmlns:p14="http://schemas.microsoft.com/office/powerpoint/2010/main" val="775198731"/>
       </p:ext>
     </p:extLst>
   </p:cSld>
   <p:clrMapOvr>
     <a:overrideClrMapping bg1="lt1" tx1="dk1" bg2="lt2" tx2="dk2" accent1="accent1" accent2="accent2" accent3="accent3" accent4="accent4" accent5="accent5" accent6="accent6" hlink="hlink" folHlink="folHlink"/>
+  </p:clrMapOvr>
+</p:sld>
+</file>
+
+<file path=ppt/slides/slide18.xml><?xml version="1.0" encoding="utf-8"?>
+<p:sld xmlns:a="http://schemas.openxmlformats.org/drawingml/2006/main" xmlns:r="http://schemas.openxmlformats.org/officeDocument/2006/relationships" xmlns:p="http://schemas.openxmlformats.org/presentationml/2006/main">
+  <p:cSld>
+    <p:bg>
+      <p:bgPr>
+        <a:solidFill>
+          <a:schemeClr val="bg2"/>
+        </a:solidFill>
+        <a:effectLst/>
+      </p:bgPr>
+    </p:bg>
+    <p:spTree>
+      <p:nvGrpSpPr>
+        <p:cNvPr id="1" name=""/>
+        <p:cNvGrpSpPr/>
+        <p:nvPr/>
+      </p:nvGrpSpPr>
+      <p:grpSpPr>
+        <a:xfrm>
+          <a:off x="0" y="0"/>
+          <a:ext cx="0" cy="0"/>
+          <a:chOff x="0" y="0"/>
+          <a:chExt cx="0" cy="0"/>
+        </a:xfrm>
+      </p:grpSpPr>
+      <p:sp>
+        <p:nvSpPr>
+          <p:cNvPr id="9" name="Rectangle 8">
+            <a:extLst>
+              <a:ext uri="{FF2B5EF4-FFF2-40B4-BE49-F238E27FC236}">
+                <a16:creationId xmlns:a16="http://schemas.microsoft.com/office/drawing/2014/main" id="{E6E37985-09B8-4F09-93C7-44CB3EDE52A4}"/>
+              </a:ext>
+              <a:ext uri="{C183D7F6-B498-43B3-948B-1728B52AA6E4}">
+                <adec:decorative xmlns:adec="http://schemas.microsoft.com/office/drawing/2017/decorative" val="1"/>
+              </a:ext>
+            </a:extLst>
+          </p:cNvPr>
+          <p:cNvSpPr>
+            <a:spLocks noGrp="1" noRot="1" noChangeAspect="1" noMove="1" noResize="1" noEditPoints="1" noAdjustHandles="1" noChangeArrowheads="1" noChangeShapeType="1" noTextEdit="1"/>
+          </p:cNvSpPr>
+          <p:nvPr>
+            <p:extLst>
+              <p:ext uri="{386F3935-93C4-4BCD-93E2-E3B085C9AB24}">
+                <p16:designElem xmlns:p16="http://schemas.microsoft.com/office/powerpoint/2015/main" val="1"/>
+              </p:ext>
+            </p:extLst>
+          </p:nvPr>
+        </p:nvSpPr>
+        <p:spPr>
+          <a:xfrm>
+            <a:off x="0" y="426198"/>
+            <a:ext cx="12192000" cy="6005604"/>
+          </a:xfrm>
+          <a:prstGeom prst="rect">
+            <a:avLst/>
+          </a:prstGeom>
+          <a:solidFill>
+            <a:srgbClr val="FFFFFF"/>
+          </a:solidFill>
+          <a:ln>
+            <a:noFill/>
+          </a:ln>
+        </p:spPr>
+        <p:style>
+          <a:lnRef idx="2">
+            <a:schemeClr val="accent1">
+              <a:shade val="50000"/>
+            </a:schemeClr>
+          </a:lnRef>
+          <a:fillRef idx="1">
+            <a:schemeClr val="accent1"/>
+          </a:fillRef>
+          <a:effectRef idx="0">
+            <a:schemeClr val="accent1"/>
+          </a:effectRef>
+          <a:fontRef idx="minor">
+            <a:schemeClr val="lt1"/>
+          </a:fontRef>
+        </p:style>
+        <p:txBody>
+          <a:bodyPr rtlCol="0" anchor="ctr"/>
+          <a:lstStyle/>
+          <a:p>
+            <a:pPr algn="ctr"/>
+            <a:endParaRPr lang="en-US"/>
+          </a:p>
+        </p:txBody>
+      </p:sp>
+      <p:pic>
+        <p:nvPicPr>
+          <p:cNvPr id="4" name="Content Placeholder 3">
+            <a:extLst>
+              <a:ext uri="{FF2B5EF4-FFF2-40B4-BE49-F238E27FC236}">
+                <a16:creationId xmlns:a16="http://schemas.microsoft.com/office/drawing/2014/main" id="{1DD0F2AF-AD59-4B2E-8AC2-549360474DD6}"/>
+              </a:ext>
+            </a:extLst>
+          </p:cNvPr>
+          <p:cNvPicPr>
+            <a:picLocks noGrp="1" noChangeAspect="1"/>
+          </p:cNvPicPr>
+          <p:nvPr>
+            <p:ph idx="1"/>
+          </p:nvPr>
+        </p:nvPicPr>
+        <p:blipFill rotWithShape="1">
+          <a:blip r:embed="rId2"/>
+          <a:srcRect r="2599"/>
+          <a:stretch/>
+        </p:blipFill>
+        <p:spPr>
+          <a:xfrm>
+            <a:off x="867974" y="745236"/>
+            <a:ext cx="10456051" cy="5367528"/>
+          </a:xfrm>
+          <a:prstGeom prst="rect">
+            <a:avLst/>
+          </a:prstGeom>
+        </p:spPr>
+      </p:pic>
+    </p:spTree>
+    <p:extLst>
+      <p:ext uri="{BB962C8B-B14F-4D97-AF65-F5344CB8AC3E}">
+        <p14:creationId xmlns:p14="http://schemas.microsoft.com/office/powerpoint/2010/main" val="3641389788"/>
+      </p:ext>
+    </p:extLst>
+  </p:cSld>
+  <p:clrMapOvr>
+    <a:masterClrMapping/>
   </p:clrMapOvr>
 </p:sld>
 </file>
@@ -5877,50 +5997,45 @@
           <a:p>
             <a:r>
               <a:rPr lang="en-US" dirty="0"/>
-              <a:t>ARP Poisoning </a:t>
+              <a:t>ARP cache</a:t>
             </a:r>
           </a:p>
         </p:txBody>
       </p:sp>
       <p:pic>
         <p:nvPicPr>
-          <p:cNvPr id="9" name="Content Placeholder 4" descr="A screenshot of a cell phone&#10;&#10;Description automatically generated">
+          <p:cNvPr id="6" name="Picture 5">
             <a:extLst>
               <a:ext uri="{FF2B5EF4-FFF2-40B4-BE49-F238E27FC236}">
-                <a16:creationId xmlns:a16="http://schemas.microsoft.com/office/drawing/2014/main" id="{4DF9A4B3-EAF9-457B-B28E-C900F6684B7A}"/>
+                <a16:creationId xmlns:a16="http://schemas.microsoft.com/office/drawing/2014/main" id="{502657CF-B7DE-4B01-813B-9A9362127DD0}"/>
               </a:ext>
             </a:extLst>
           </p:cNvPr>
           <p:cNvPicPr>
-            <a:picLocks noGrp="1" noChangeAspect="1"/>
+            <a:picLocks noChangeAspect="1"/>
           </p:cNvPicPr>
-          <p:nvPr>
-            <p:ph idx="1"/>
-          </p:nvPr>
+          <p:nvPr/>
         </p:nvPicPr>
         <p:blipFill>
-          <a:blip r:embed="rId2">
-            <a:extLst>
-              <a:ext uri="{28A0092B-C50C-407E-A947-70E740481C1C}">
-                <a14:useLocalDpi xmlns:a14="http://schemas.microsoft.com/office/drawing/2010/main" val="0"/>
-              </a:ext>
-            </a:extLst>
-          </a:blip>
+          <a:blip r:embed="rId2"/>
           <a:stretch>
             <a:fillRect/>
           </a:stretch>
         </p:blipFill>
         <p:spPr>
           <a:xfrm>
-            <a:off x="3340833" y="2011363"/>
-            <a:ext cx="5508746" cy="4206875"/>
-          </a:xfrm>
+            <a:off x="-2565" y="1998137"/>
+            <a:ext cx="12192000" cy="4576661"/>
+          </a:xfrm>
+          <a:prstGeom prst="rect">
+            <a:avLst/>
+          </a:prstGeom>
         </p:spPr>
       </p:pic>
     </p:spTree>
     <p:extLst>
       <p:ext uri="{BB962C8B-B14F-4D97-AF65-F5344CB8AC3E}">
-        <p14:creationId xmlns:p14="http://schemas.microsoft.com/office/powerpoint/2010/main" val="3698861738"/>
+        <p14:creationId xmlns:p14="http://schemas.microsoft.com/office/powerpoint/2010/main" val="3053687157"/>
       </p:ext>
     </p:extLst>
   </p:cSld>
@@ -6378,38 +6493,43 @@
       </p:sp>
       <p:pic>
         <p:nvPicPr>
-          <p:cNvPr id="6" name="Picture 5">
+          <p:cNvPr id="9" name="Content Placeholder 4" descr="A screenshot of a cell phone&#10;&#10;Description automatically generated">
             <a:extLst>
               <a:ext uri="{FF2B5EF4-FFF2-40B4-BE49-F238E27FC236}">
-                <a16:creationId xmlns:a16="http://schemas.microsoft.com/office/drawing/2014/main" id="{B3601F43-063D-48E3-AAC8-BB6F7D7C7099}"/>
+                <a16:creationId xmlns:a16="http://schemas.microsoft.com/office/drawing/2014/main" id="{4DF9A4B3-EAF9-457B-B28E-C900F6684B7A}"/>
               </a:ext>
             </a:extLst>
           </p:cNvPr>
           <p:cNvPicPr>
-            <a:picLocks noChangeAspect="1"/>
+            <a:picLocks noGrp="1" noChangeAspect="1"/>
           </p:cNvPicPr>
-          <p:nvPr/>
+          <p:nvPr>
+            <p:ph idx="1"/>
+          </p:nvPr>
         </p:nvPicPr>
         <p:blipFill>
-          <a:blip r:embed="rId2"/>
+          <a:blip r:embed="rId2">
+            <a:extLst>
+              <a:ext uri="{28A0092B-C50C-407E-A947-70E740481C1C}">
+                <a14:useLocalDpi xmlns:a14="http://schemas.microsoft.com/office/drawing/2010/main" val="0"/>
+              </a:ext>
+            </a:extLst>
+          </a:blip>
           <a:stretch>
             <a:fillRect/>
           </a:stretch>
         </p:blipFill>
         <p:spPr>
           <a:xfrm>
-            <a:off x="1634649" y="1825625"/>
-            <a:ext cx="8114982" cy="4812119"/>
-          </a:xfrm>
-          <a:prstGeom prst="rect">
-            <a:avLst/>
-          </a:prstGeom>
+            <a:off x="3340833" y="2011363"/>
+            <a:ext cx="5508746" cy="4206875"/>
+          </a:xfrm>
         </p:spPr>
       </p:pic>
     </p:spTree>
     <p:extLst>
       <p:ext uri="{BB962C8B-B14F-4D97-AF65-F5344CB8AC3E}">
-        <p14:creationId xmlns:p14="http://schemas.microsoft.com/office/powerpoint/2010/main" val="2365513313"/>
+        <p14:creationId xmlns:p14="http://schemas.microsoft.com/office/powerpoint/2010/main" val="3698861738"/>
       </p:ext>
     </p:extLst>
   </p:cSld>
@@ -6587,48 +6707,19 @@
           </a:bodyPr>
           <a:lstStyle/>
           <a:p>
-            <a:endParaRPr lang="en-US" dirty="0"/>
-          </a:p>
-        </p:txBody>
-      </p:sp>
-      <p:sp>
-        <p:nvSpPr>
-          <p:cNvPr id="3" name="Content Placeholder 2">
+            <a:r>
+              <a:rPr lang="en-US" dirty="0"/>
+              <a:t>ARP Poisoning </a:t>
+            </a:r>
+          </a:p>
+        </p:txBody>
+      </p:sp>
+      <p:pic>
+        <p:nvPicPr>
+          <p:cNvPr id="6" name="Picture 5">
             <a:extLst>
               <a:ext uri="{FF2B5EF4-FFF2-40B4-BE49-F238E27FC236}">
-                <a16:creationId xmlns:a16="http://schemas.microsoft.com/office/drawing/2014/main" id="{A935D411-9838-4CE3-B7D0-EA418C35F531}"/>
-              </a:ext>
-            </a:extLst>
-          </p:cNvPr>
-          <p:cNvSpPr>
-            <a:spLocks noGrp="1"/>
-          </p:cNvSpPr>
-          <p:nvPr>
-            <p:ph idx="1"/>
-          </p:nvPr>
-        </p:nvSpPr>
-        <p:spPr>
-          <a:xfrm>
-            <a:off x="1202919" y="2011680"/>
-            <a:ext cx="9784080" cy="4206240"/>
-          </a:xfrm>
-        </p:spPr>
-        <p:txBody>
-          <a:bodyPr>
-            <a:normAutofit/>
-          </a:bodyPr>
-          <a:lstStyle/>
-          <a:p>
-            <a:endParaRPr lang="en-US"/>
-          </a:p>
-        </p:txBody>
-      </p:sp>
-      <p:pic>
-        <p:nvPicPr>
-          <p:cNvPr id="6" name="Content Placeholder 3">
-            <a:extLst>
-              <a:ext uri="{FF2B5EF4-FFF2-40B4-BE49-F238E27FC236}">
-                <a16:creationId xmlns:a16="http://schemas.microsoft.com/office/drawing/2014/main" id="{5868B3C6-5D4B-49E7-8E44-82E0A3269432}"/>
+                <a16:creationId xmlns:a16="http://schemas.microsoft.com/office/drawing/2014/main" id="{B3601F43-063D-48E3-AAC8-BB6F7D7C7099}"/>
               </a:ext>
             </a:extLst>
           </p:cNvPr>
@@ -6637,15 +6728,16 @@
           </p:cNvPicPr>
           <p:nvPr/>
         </p:nvPicPr>
-        <p:blipFill rotWithShape="1">
+        <p:blipFill>
           <a:blip r:embed="rId2"/>
-          <a:srcRect r="4769" b="-1"/>
-          <a:stretch/>
+          <a:stretch>
+            <a:fillRect/>
+          </a:stretch>
         </p:blipFill>
         <p:spPr>
           <a:xfrm>
-            <a:off x="736863" y="348510"/>
-            <a:ext cx="10716192" cy="6160980"/>
+            <a:off x="1634649" y="1825625"/>
+            <a:ext cx="8114982" cy="4812119"/>
           </a:xfrm>
           <a:prstGeom prst="rect">
             <a:avLst/>
@@ -6655,7 +6747,7 @@
     </p:spTree>
     <p:extLst>
       <p:ext uri="{BB962C8B-B14F-4D97-AF65-F5344CB8AC3E}">
-        <p14:creationId xmlns:p14="http://schemas.microsoft.com/office/powerpoint/2010/main" val="1030620049"/>
+        <p14:creationId xmlns:p14="http://schemas.microsoft.com/office/powerpoint/2010/main" val="2365513313"/>
       </p:ext>
     </p:extLst>
   </p:cSld>
@@ -8441,14 +8533,6 @@
 <file path=ppt/slides/slide9.xml><?xml version="1.0" encoding="utf-8"?>
 <p:sld xmlns:a="http://schemas.openxmlformats.org/drawingml/2006/main" xmlns:r="http://schemas.openxmlformats.org/officeDocument/2006/relationships" xmlns:p="http://schemas.openxmlformats.org/presentationml/2006/main">
   <p:cSld>
-    <p:bg>
-      <p:bgPr>
-        <a:solidFill>
-          <a:schemeClr val="bg1"/>
-        </a:solidFill>
-        <a:effectLst/>
-      </p:bgPr>
-    </p:bg>
     <p:spTree>
       <p:nvGrpSpPr>
         <p:cNvPr id="1" name=""/>
@@ -8463,297 +8547,45 @@
           <a:chExt cx="0" cy="0"/>
         </a:xfrm>
       </p:grpSpPr>
-      <p:sp>
-        <p:nvSpPr>
-          <p:cNvPr id="26" name="Rectangle 25">
+      <p:pic>
+        <p:nvPicPr>
+          <p:cNvPr id="5" name="Picture 4">
             <a:extLst>
               <a:ext uri="{FF2B5EF4-FFF2-40B4-BE49-F238E27FC236}">
-                <a16:creationId xmlns:a16="http://schemas.microsoft.com/office/drawing/2014/main" id="{5F9F5EB8-AB42-47FD-8F4A-176C0A4B1B0A}"/>
-              </a:ext>
-              <a:ext uri="{C183D7F6-B498-43B3-948B-1728B52AA6E4}">
-                <adec:decorative xmlns:adec="http://schemas.microsoft.com/office/drawing/2017/decorative" val="1"/>
-              </a:ext>
-            </a:extLst>
-          </p:cNvPr>
-          <p:cNvSpPr>
-            <a:spLocks noGrp="1" noRot="1" noChangeAspect="1" noMove="1" noResize="1" noEditPoints="1" noAdjustHandles="1" noChangeArrowheads="1" noChangeShapeType="1" noTextEdit="1"/>
-          </p:cNvSpPr>
-          <p:nvPr>
-            <p:extLst>
-              <p:ext uri="{386F3935-93C4-4BCD-93E2-E3B085C9AB24}">
-                <p16:designElem xmlns:p16="http://schemas.microsoft.com/office/powerpoint/2015/main" val="1"/>
-              </p:ext>
-            </p:extLst>
-          </p:nvPr>
-        </p:nvSpPr>
-        <p:spPr>
-          <a:xfrm>
-            <a:off x="3048" y="2059012"/>
-            <a:ext cx="12188952" cy="1828800"/>
-          </a:xfrm>
-          <a:prstGeom prst="rect">
-            <a:avLst/>
-          </a:prstGeom>
-          <a:solidFill>
-            <a:schemeClr val="tx1"/>
-          </a:solidFill>
-          <a:ln>
-            <a:noFill/>
-          </a:ln>
-        </p:spPr>
-        <p:style>
-          <a:lnRef idx="2">
-            <a:schemeClr val="accent1">
-              <a:shade val="50000"/>
-            </a:schemeClr>
-          </a:lnRef>
-          <a:fillRef idx="1">
-            <a:schemeClr val="accent1"/>
-          </a:fillRef>
-          <a:effectRef idx="0">
-            <a:schemeClr val="accent1"/>
-          </a:effectRef>
-          <a:fontRef idx="minor">
-            <a:schemeClr val="lt1"/>
-          </a:fontRef>
-        </p:style>
-      </p:sp>
-      <p:sp>
-        <p:nvSpPr>
-          <p:cNvPr id="28" name="Rectangle 27">
-            <a:extLst>
-              <a:ext uri="{FF2B5EF4-FFF2-40B4-BE49-F238E27FC236}">
-                <a16:creationId xmlns:a16="http://schemas.microsoft.com/office/drawing/2014/main" id="{CA758F27-EB0A-4675-AACF-0CD47C911203}"/>
-              </a:ext>
-              <a:ext uri="{C183D7F6-B498-43B3-948B-1728B52AA6E4}">
-                <adec:decorative xmlns:adec="http://schemas.microsoft.com/office/drawing/2017/decorative" val="1"/>
-              </a:ext>
-            </a:extLst>
-          </p:cNvPr>
-          <p:cNvSpPr>
-            <a:spLocks noGrp="1" noRot="1" noChangeAspect="1" noMove="1" noResize="1" noEditPoints="1" noAdjustHandles="1" noChangeArrowheads="1" noChangeShapeType="1" noTextEdit="1"/>
-          </p:cNvSpPr>
-          <p:nvPr>
-            <p:extLst>
-              <p:ext uri="{386F3935-93C4-4BCD-93E2-E3B085C9AB24}">
-                <p16:designElem xmlns:p16="http://schemas.microsoft.com/office/powerpoint/2015/main" val="1"/>
-              </p:ext>
-            </p:extLst>
-          </p:nvPr>
-        </p:nvSpPr>
-        <p:spPr>
-          <a:xfrm>
-            <a:off x="0" y="0"/>
-            <a:ext cx="12192000" cy="6858000"/>
-          </a:xfrm>
-          <a:prstGeom prst="rect">
-            <a:avLst/>
-          </a:prstGeom>
-          <a:solidFill>
-            <a:schemeClr val="bg1"/>
-          </a:solidFill>
-          <a:ln>
-            <a:noFill/>
-          </a:ln>
-        </p:spPr>
-        <p:style>
-          <a:lnRef idx="2">
-            <a:schemeClr val="accent1">
-              <a:shade val="50000"/>
-            </a:schemeClr>
-          </a:lnRef>
-          <a:fillRef idx="1">
-            <a:schemeClr val="accent1"/>
-          </a:fillRef>
-          <a:effectRef idx="0">
-            <a:schemeClr val="accent1"/>
-          </a:effectRef>
-          <a:fontRef idx="minor">
-            <a:schemeClr val="lt1"/>
-          </a:fontRef>
-        </p:style>
-        <p:txBody>
-          <a:bodyPr rtlCol="0" anchor="ctr"/>
-          <a:lstStyle/>
-          <a:p>
-            <a:pPr algn="ctr"/>
-            <a:endParaRPr lang="en-US"/>
-          </a:p>
-        </p:txBody>
-      </p:sp>
-      <p:sp>
-        <p:nvSpPr>
-          <p:cNvPr id="30" name="Rectangle 29">
-            <a:extLst>
-              <a:ext uri="{FF2B5EF4-FFF2-40B4-BE49-F238E27FC236}">
-                <a16:creationId xmlns:a16="http://schemas.microsoft.com/office/drawing/2014/main" id="{CFDF506A-FD4E-4BBC-A10A-DEB94F9BAA5F}"/>
-              </a:ext>
-              <a:ext uri="{C183D7F6-B498-43B3-948B-1728B52AA6E4}">
-                <adec:decorative xmlns:adec="http://schemas.microsoft.com/office/drawing/2017/decorative" val="1"/>
-              </a:ext>
-            </a:extLst>
-          </p:cNvPr>
-          <p:cNvSpPr>
-            <a:spLocks noGrp="1" noRot="1" noChangeAspect="1" noMove="1" noResize="1" noEditPoints="1" noAdjustHandles="1" noChangeArrowheads="1" noChangeShapeType="1" noTextEdit="1"/>
-          </p:cNvSpPr>
-          <p:nvPr>
-            <p:extLst>
-              <p:ext uri="{386F3935-93C4-4BCD-93E2-E3B085C9AB24}">
-                <p16:designElem xmlns:p16="http://schemas.microsoft.com/office/powerpoint/2015/main" val="1"/>
-              </p:ext>
-            </p:extLst>
-          </p:nvPr>
-        </p:nvSpPr>
-        <p:spPr>
-          <a:xfrm>
-            <a:off x="0" y="0"/>
-            <a:ext cx="12192000" cy="173255"/>
-          </a:xfrm>
-          <a:prstGeom prst="rect">
-            <a:avLst/>
-          </a:prstGeom>
-          <a:solidFill>
-            <a:schemeClr val="tx2"/>
-          </a:solidFill>
-          <a:ln>
-            <a:noFill/>
-          </a:ln>
-        </p:spPr>
-        <p:style>
-          <a:lnRef idx="2">
-            <a:schemeClr val="accent1">
-              <a:shade val="50000"/>
-            </a:schemeClr>
-          </a:lnRef>
-          <a:fillRef idx="1">
-            <a:schemeClr val="accent1"/>
-          </a:fillRef>
-          <a:effectRef idx="0">
-            <a:schemeClr val="accent1"/>
-          </a:effectRef>
-          <a:fontRef idx="minor">
-            <a:schemeClr val="lt1"/>
-          </a:fontRef>
-        </p:style>
-        <p:txBody>
-          <a:bodyPr rtlCol="0" anchor="ctr"/>
-          <a:lstStyle/>
-          <a:p>
-            <a:pPr algn="ctr"/>
-            <a:endParaRPr lang="en-US"/>
-          </a:p>
-        </p:txBody>
-      </p:sp>
-      <p:pic>
-        <p:nvPicPr>
-          <p:cNvPr id="13" name="Content Placeholder 4" descr="A screenshot of a cell phone&#10;&#10;Description automatically generated">
-            <a:extLst>
-              <a:ext uri="{FF2B5EF4-FFF2-40B4-BE49-F238E27FC236}">
-                <a16:creationId xmlns:a16="http://schemas.microsoft.com/office/drawing/2014/main" id="{8B75AE91-FBF4-4222-B610-EDAA58D24BF4}"/>
+                <a16:creationId xmlns:a16="http://schemas.microsoft.com/office/drawing/2014/main" id="{B75F65C1-FDEF-D1FB-6630-77F5CFD90ABF}"/>
               </a:ext>
             </a:extLst>
           </p:cNvPr>
           <p:cNvPicPr>
-            <a:picLocks noGrp="1" noChangeAspect="1"/>
+            <a:picLocks noChangeAspect="1"/>
           </p:cNvPicPr>
-          <p:nvPr>
-            <p:ph idx="1"/>
-          </p:nvPr>
+          <p:nvPr/>
         </p:nvPicPr>
         <p:blipFill>
-          <a:blip r:embed="rId2">
-            <a:extLst>
-              <a:ext uri="{28A0092B-C50C-407E-A947-70E740481C1C}">
-                <a14:useLocalDpi xmlns:a14="http://schemas.microsoft.com/office/drawing/2010/main" val="0"/>
-              </a:ext>
-            </a:extLst>
-          </a:blip>
+          <a:blip r:embed="rId2"/>
           <a:stretch>
             <a:fillRect/>
           </a:stretch>
         </p:blipFill>
         <p:spPr>
           <a:xfrm>
-            <a:off x="321734" y="1263651"/>
-            <a:ext cx="11548531" cy="4330697"/>
+            <a:off x="1103151" y="917585"/>
+            <a:ext cx="10045658" cy="5022829"/>
           </a:xfrm>
           <a:prstGeom prst="rect">
             <a:avLst/>
           </a:prstGeom>
         </p:spPr>
       </p:pic>
-      <p:sp>
-        <p:nvSpPr>
-          <p:cNvPr id="32" name="Rectangle 31">
-            <a:extLst>
-              <a:ext uri="{FF2B5EF4-FFF2-40B4-BE49-F238E27FC236}">
-                <a16:creationId xmlns:a16="http://schemas.microsoft.com/office/drawing/2014/main" id="{3571FB1B-4FFC-43D6-8121-390B3A44E835}"/>
-              </a:ext>
-              <a:ext uri="{C183D7F6-B498-43B3-948B-1728B52AA6E4}">
-                <adec:decorative xmlns:adec="http://schemas.microsoft.com/office/drawing/2017/decorative" val="1"/>
-              </a:ext>
-            </a:extLst>
-          </p:cNvPr>
-          <p:cNvSpPr>
-            <a:spLocks noGrp="1" noRot="1" noChangeAspect="1" noMove="1" noResize="1" noEditPoints="1" noAdjustHandles="1" noChangeArrowheads="1" noChangeShapeType="1" noTextEdit="1"/>
-          </p:cNvSpPr>
-          <p:nvPr>
-            <p:extLst>
-              <p:ext uri="{386F3935-93C4-4BCD-93E2-E3B085C9AB24}">
-                <p16:designElem xmlns:p16="http://schemas.microsoft.com/office/powerpoint/2015/main" val="1"/>
-              </p:ext>
-            </p:extLst>
-          </p:nvPr>
-        </p:nvSpPr>
-        <p:spPr>
-          <a:xfrm>
-            <a:off x="0" y="6373369"/>
-            <a:ext cx="12192000" cy="484632"/>
-          </a:xfrm>
-          <a:prstGeom prst="rect">
-            <a:avLst/>
-          </a:prstGeom>
-          <a:solidFill>
-            <a:schemeClr val="tx2"/>
-          </a:solidFill>
-          <a:ln>
-            <a:noFill/>
-          </a:ln>
-        </p:spPr>
-        <p:style>
-          <a:lnRef idx="2">
-            <a:schemeClr val="accent1">
-              <a:shade val="50000"/>
-            </a:schemeClr>
-          </a:lnRef>
-          <a:fillRef idx="1">
-            <a:schemeClr val="accent1"/>
-          </a:fillRef>
-          <a:effectRef idx="0">
-            <a:schemeClr val="accent1"/>
-          </a:effectRef>
-          <a:fontRef idx="minor">
-            <a:schemeClr val="lt1"/>
-          </a:fontRef>
-        </p:style>
-        <p:txBody>
-          <a:bodyPr rtlCol="0" anchor="ctr"/>
-          <a:lstStyle/>
-          <a:p>
-            <a:pPr algn="ctr"/>
-            <a:endParaRPr lang="en-US"/>
-          </a:p>
-        </p:txBody>
-      </p:sp>
     </p:spTree>
     <p:extLst>
       <p:ext uri="{BB962C8B-B14F-4D97-AF65-F5344CB8AC3E}">
-        <p14:creationId xmlns:p14="http://schemas.microsoft.com/office/powerpoint/2010/main" val="2346447813"/>
+        <p14:creationId xmlns:p14="http://schemas.microsoft.com/office/powerpoint/2010/main" val="3583632540"/>
       </p:ext>
     </p:extLst>
   </p:cSld>
   <p:clrMapOvr>
-    <a:overrideClrMapping bg1="lt1" tx1="dk1" bg2="lt2" tx2="dk2" accent1="accent1" accent2="accent2" accent3="accent3" accent4="accent4" accent5="accent5" accent6="accent6" hlink="hlink" folHlink="folHlink"/>
+    <a:masterClrMapping/>
   </p:clrMapOvr>
 </p:sld>
 </file>
